--- a/САПЁР.pptx
+++ b/САПЁР.pptx
@@ -4,13 +4,20 @@
   <p:sldMasterIdLst>
     <p:sldMasterId id="2147483648" r:id="rId1"/>
   </p:sldMasterIdLst>
+  <p:notesMasterIdLst>
+    <p:notesMasterId r:id="rId9"/>
+  </p:notesMasterIdLst>
   <p:handoutMasterIdLst>
-    <p:handoutMasterId r:id="rId5"/>
+    <p:handoutMasterId r:id="rId10"/>
   </p:handoutMasterIdLst>
   <p:sldIdLst>
     <p:sldId id="256" r:id="rId2"/>
     <p:sldId id="257" r:id="rId3"/>
     <p:sldId id="258" r:id="rId4"/>
+    <p:sldId id="259" r:id="rId5"/>
+    <p:sldId id="262" r:id="rId6"/>
+    <p:sldId id="263" r:id="rId7"/>
+    <p:sldId id="261" r:id="rId8"/>
   </p:sldIdLst>
   <p:sldSz cx="9144000" cy="6858000" type="screen4x3"/>
   <p:notesSz cx="6858000" cy="9144000"/>
@@ -161,7 +168,7 @@
             </a:lvl1pPr>
           </a:lstStyle>
           <a:p>
-            <a:endParaRPr lang="ru-RU"/>
+            <a:endParaRPr lang="ru-RU" dirty="0"/>
           </a:p>
         </p:txBody>
       </p:sp>
@@ -194,9 +201,10 @@
           <a:p>
             <a:fld id="{B7844C7C-0DBC-4EEC-8459-5056138021A1}" type="datetimeFigureOut">
               <a:rPr lang="ru-RU" smtClean="0"/>
-              <a:t>20.02.2018</a:t>
+              <a:pPr/>
+              <a:t>23.02.2018</a:t>
             </a:fld>
-            <a:endParaRPr lang="ru-RU"/>
+            <a:endParaRPr lang="ru-RU" dirty="0"/>
           </a:p>
         </p:txBody>
       </p:sp>
@@ -227,7 +235,7 @@
             </a:lvl1pPr>
           </a:lstStyle>
           <a:p>
-            <a:endParaRPr lang="ru-RU"/>
+            <a:endParaRPr lang="ru-RU" dirty="0"/>
           </a:p>
         </p:txBody>
       </p:sp>
@@ -260,9 +268,10 @@
           <a:p>
             <a:fld id="{094DDA71-A861-450D-B551-2F040346A42D}" type="slidenum">
               <a:rPr lang="ru-RU" smtClean="0"/>
+              <a:pPr/>
               <a:t>‹#›</a:t>
             </a:fld>
-            <a:endParaRPr lang="ru-RU"/>
+            <a:endParaRPr lang="ru-RU" dirty="0"/>
           </a:p>
         </p:txBody>
       </p:sp>
@@ -270,6 +279,355 @@
   </p:cSld>
   <p:clrMap bg1="lt1" tx1="dk1" bg2="lt2" tx2="dk2" accent1="accent1" accent2="accent2" accent3="accent3" accent4="accent4" accent5="accent5" accent6="accent6" hlink="hlink" folHlink="folHlink"/>
 </p:handoutMaster>
+</file>
+
+<file path=ppt/notesMasters/notesMaster1.xml><?xml version="1.0" encoding="utf-8"?>
+<p:notesMaster xmlns:a="http://schemas.openxmlformats.org/drawingml/2006/main" xmlns:r="http://schemas.openxmlformats.org/officeDocument/2006/relationships" xmlns:p="http://schemas.openxmlformats.org/presentationml/2006/main">
+  <p:cSld>
+    <p:bg>
+      <p:bgRef idx="1001">
+        <a:schemeClr val="bg1"/>
+      </p:bgRef>
+    </p:bg>
+    <p:spTree>
+      <p:nvGrpSpPr>
+        <p:cNvPr id="1" name=""/>
+        <p:cNvGrpSpPr/>
+        <p:nvPr/>
+      </p:nvGrpSpPr>
+      <p:grpSpPr>
+        <a:xfrm>
+          <a:off x="0" y="0"/>
+          <a:ext cx="0" cy="0"/>
+          <a:chOff x="0" y="0"/>
+          <a:chExt cx="0" cy="0"/>
+        </a:xfrm>
+      </p:grpSpPr>
+      <p:sp>
+        <p:nvSpPr>
+          <p:cNvPr id="2" name="Верхний колонтитул 1"/>
+          <p:cNvSpPr>
+            <a:spLocks noGrp="1"/>
+          </p:cNvSpPr>
+          <p:nvPr>
+            <p:ph type="hdr" sz="quarter"/>
+          </p:nvPr>
+        </p:nvSpPr>
+        <p:spPr>
+          <a:xfrm>
+            <a:off x="0" y="0"/>
+            <a:ext cx="2971800" cy="457200"/>
+          </a:xfrm>
+          <a:prstGeom prst="rect">
+            <a:avLst/>
+          </a:prstGeom>
+        </p:spPr>
+        <p:txBody>
+          <a:bodyPr vert="horz" lIns="91440" tIns="45720" rIns="91440" bIns="45720" rtlCol="0"/>
+          <a:lstStyle>
+            <a:lvl1pPr algn="l">
+              <a:defRPr sz="1200"/>
+            </a:lvl1pPr>
+          </a:lstStyle>
+          <a:p>
+            <a:endParaRPr lang="ru-RU"/>
+          </a:p>
+        </p:txBody>
+      </p:sp>
+      <p:sp>
+        <p:nvSpPr>
+          <p:cNvPr id="3" name="Дата 2"/>
+          <p:cNvSpPr>
+            <a:spLocks noGrp="1"/>
+          </p:cNvSpPr>
+          <p:nvPr>
+            <p:ph type="dt" idx="1"/>
+          </p:nvPr>
+        </p:nvSpPr>
+        <p:spPr>
+          <a:xfrm>
+            <a:off x="3884613" y="0"/>
+            <a:ext cx="2971800" cy="457200"/>
+          </a:xfrm>
+          <a:prstGeom prst="rect">
+            <a:avLst/>
+          </a:prstGeom>
+        </p:spPr>
+        <p:txBody>
+          <a:bodyPr vert="horz" lIns="91440" tIns="45720" rIns="91440" bIns="45720" rtlCol="0"/>
+          <a:lstStyle>
+            <a:lvl1pPr algn="r">
+              <a:defRPr sz="1200"/>
+            </a:lvl1pPr>
+          </a:lstStyle>
+          <a:p>
+            <a:fld id="{9638CC75-1B0A-4A63-8FB6-4364D43D4728}" type="datetimeFigureOut">
+              <a:rPr lang="ru-RU" smtClean="0"/>
+              <a:pPr/>
+              <a:t>23.02.2018</a:t>
+            </a:fld>
+            <a:endParaRPr lang="ru-RU"/>
+          </a:p>
+        </p:txBody>
+      </p:sp>
+      <p:sp>
+        <p:nvSpPr>
+          <p:cNvPr id="4" name="Образ слайда 3"/>
+          <p:cNvSpPr>
+            <a:spLocks noGrp="1" noRot="1" noChangeAspect="1"/>
+          </p:cNvSpPr>
+          <p:nvPr>
+            <p:ph type="sldImg" idx="2"/>
+          </p:nvPr>
+        </p:nvSpPr>
+        <p:spPr>
+          <a:xfrm>
+            <a:off x="1143000" y="685800"/>
+            <a:ext cx="4572000" cy="3429000"/>
+          </a:xfrm>
+          <a:prstGeom prst="rect">
+            <a:avLst/>
+          </a:prstGeom>
+          <a:noFill/>
+          <a:ln w="12700">
+            <a:solidFill>
+              <a:prstClr val="black"/>
+            </a:solidFill>
+          </a:ln>
+        </p:spPr>
+        <p:txBody>
+          <a:bodyPr vert="horz" lIns="91440" tIns="45720" rIns="91440" bIns="45720" rtlCol="0" anchor="ctr"/>
+          <a:lstStyle/>
+          <a:p>
+            <a:endParaRPr lang="ru-RU"/>
+          </a:p>
+        </p:txBody>
+      </p:sp>
+      <p:sp>
+        <p:nvSpPr>
+          <p:cNvPr id="5" name="Заметки 4"/>
+          <p:cNvSpPr>
+            <a:spLocks noGrp="1"/>
+          </p:cNvSpPr>
+          <p:nvPr>
+            <p:ph type="body" sz="quarter" idx="3"/>
+          </p:nvPr>
+        </p:nvSpPr>
+        <p:spPr>
+          <a:xfrm>
+            <a:off x="685800" y="4343400"/>
+            <a:ext cx="5486400" cy="4114800"/>
+          </a:xfrm>
+          <a:prstGeom prst="rect">
+            <a:avLst/>
+          </a:prstGeom>
+        </p:spPr>
+        <p:txBody>
+          <a:bodyPr vert="horz" lIns="91440" tIns="45720" rIns="91440" bIns="45720" rtlCol="0">
+            <a:normAutofit/>
+          </a:bodyPr>
+          <a:lstStyle/>
+          <a:p>
+            <a:pPr lvl="0"/>
+            <a:r>
+              <a:rPr lang="ru-RU" smtClean="0"/>
+              <a:t>Образец текста</a:t>
+            </a:r>
+          </a:p>
+          <a:p>
+            <a:pPr lvl="1"/>
+            <a:r>
+              <a:rPr lang="ru-RU" smtClean="0"/>
+              <a:t>Второй уровень</a:t>
+            </a:r>
+          </a:p>
+          <a:p>
+            <a:pPr lvl="2"/>
+            <a:r>
+              <a:rPr lang="ru-RU" smtClean="0"/>
+              <a:t>Третий уровень</a:t>
+            </a:r>
+          </a:p>
+          <a:p>
+            <a:pPr lvl="3"/>
+            <a:r>
+              <a:rPr lang="ru-RU" smtClean="0"/>
+              <a:t>Четвертый уровень</a:t>
+            </a:r>
+          </a:p>
+          <a:p>
+            <a:pPr lvl="4"/>
+            <a:r>
+              <a:rPr lang="ru-RU" smtClean="0"/>
+              <a:t>Пятый уровень</a:t>
+            </a:r>
+            <a:endParaRPr lang="ru-RU"/>
+          </a:p>
+        </p:txBody>
+      </p:sp>
+      <p:sp>
+        <p:nvSpPr>
+          <p:cNvPr id="6" name="Нижний колонтитул 5"/>
+          <p:cNvSpPr>
+            <a:spLocks noGrp="1"/>
+          </p:cNvSpPr>
+          <p:nvPr>
+            <p:ph type="ftr" sz="quarter" idx="4"/>
+          </p:nvPr>
+        </p:nvSpPr>
+        <p:spPr>
+          <a:xfrm>
+            <a:off x="0" y="8685213"/>
+            <a:ext cx="2971800" cy="457200"/>
+          </a:xfrm>
+          <a:prstGeom prst="rect">
+            <a:avLst/>
+          </a:prstGeom>
+        </p:spPr>
+        <p:txBody>
+          <a:bodyPr vert="horz" lIns="91440" tIns="45720" rIns="91440" bIns="45720" rtlCol="0" anchor="b"/>
+          <a:lstStyle>
+            <a:lvl1pPr algn="l">
+              <a:defRPr sz="1200"/>
+            </a:lvl1pPr>
+          </a:lstStyle>
+          <a:p>
+            <a:endParaRPr lang="ru-RU"/>
+          </a:p>
+        </p:txBody>
+      </p:sp>
+      <p:sp>
+        <p:nvSpPr>
+          <p:cNvPr id="7" name="Номер слайда 6"/>
+          <p:cNvSpPr>
+            <a:spLocks noGrp="1"/>
+          </p:cNvSpPr>
+          <p:nvPr>
+            <p:ph type="sldNum" sz="quarter" idx="5"/>
+          </p:nvPr>
+        </p:nvSpPr>
+        <p:spPr>
+          <a:xfrm>
+            <a:off x="3884613" y="8685213"/>
+            <a:ext cx="2971800" cy="457200"/>
+          </a:xfrm>
+          <a:prstGeom prst="rect">
+            <a:avLst/>
+          </a:prstGeom>
+        </p:spPr>
+        <p:txBody>
+          <a:bodyPr vert="horz" lIns="91440" tIns="45720" rIns="91440" bIns="45720" rtlCol="0" anchor="b"/>
+          <a:lstStyle>
+            <a:lvl1pPr algn="r">
+              <a:defRPr sz="1200"/>
+            </a:lvl1pPr>
+          </a:lstStyle>
+          <a:p>
+            <a:fld id="{EBEA0471-1BD1-4AED-AEEA-733C994AABA6}" type="slidenum">
+              <a:rPr lang="ru-RU" smtClean="0"/>
+              <a:pPr/>
+              <a:t>‹#›</a:t>
+            </a:fld>
+            <a:endParaRPr lang="ru-RU"/>
+          </a:p>
+        </p:txBody>
+      </p:sp>
+    </p:spTree>
+  </p:cSld>
+  <p:clrMap bg1="lt1" tx1="dk1" bg2="lt2" tx2="dk2" accent1="accent1" accent2="accent2" accent3="accent3" accent4="accent4" accent5="accent5" accent6="accent6" hlink="hlink" folHlink="folHlink"/>
+  <p:notesStyle>
+    <a:lvl1pPr marL="0" algn="l" defTabSz="914400" rtl="0" eaLnBrk="1" latinLnBrk="0" hangingPunct="1">
+      <a:defRPr sz="1200" kern="1200">
+        <a:solidFill>
+          <a:schemeClr val="tx1"/>
+        </a:solidFill>
+        <a:latin typeface="+mn-lt"/>
+        <a:ea typeface="+mn-ea"/>
+        <a:cs typeface="+mn-cs"/>
+      </a:defRPr>
+    </a:lvl1pPr>
+    <a:lvl2pPr marL="457200" algn="l" defTabSz="914400" rtl="0" eaLnBrk="1" latinLnBrk="0" hangingPunct="1">
+      <a:defRPr sz="1200" kern="1200">
+        <a:solidFill>
+          <a:schemeClr val="tx1"/>
+        </a:solidFill>
+        <a:latin typeface="+mn-lt"/>
+        <a:ea typeface="+mn-ea"/>
+        <a:cs typeface="+mn-cs"/>
+      </a:defRPr>
+    </a:lvl2pPr>
+    <a:lvl3pPr marL="914400" algn="l" defTabSz="914400" rtl="0" eaLnBrk="1" latinLnBrk="0" hangingPunct="1">
+      <a:defRPr sz="1200" kern="1200">
+        <a:solidFill>
+          <a:schemeClr val="tx1"/>
+        </a:solidFill>
+        <a:latin typeface="+mn-lt"/>
+        <a:ea typeface="+mn-ea"/>
+        <a:cs typeface="+mn-cs"/>
+      </a:defRPr>
+    </a:lvl3pPr>
+    <a:lvl4pPr marL="1371600" algn="l" defTabSz="914400" rtl="0" eaLnBrk="1" latinLnBrk="0" hangingPunct="1">
+      <a:defRPr sz="1200" kern="1200">
+        <a:solidFill>
+          <a:schemeClr val="tx1"/>
+        </a:solidFill>
+        <a:latin typeface="+mn-lt"/>
+        <a:ea typeface="+mn-ea"/>
+        <a:cs typeface="+mn-cs"/>
+      </a:defRPr>
+    </a:lvl4pPr>
+    <a:lvl5pPr marL="1828800" algn="l" defTabSz="914400" rtl="0" eaLnBrk="1" latinLnBrk="0" hangingPunct="1">
+      <a:defRPr sz="1200" kern="1200">
+        <a:solidFill>
+          <a:schemeClr val="tx1"/>
+        </a:solidFill>
+        <a:latin typeface="+mn-lt"/>
+        <a:ea typeface="+mn-ea"/>
+        <a:cs typeface="+mn-cs"/>
+      </a:defRPr>
+    </a:lvl5pPr>
+    <a:lvl6pPr marL="2286000" algn="l" defTabSz="914400" rtl="0" eaLnBrk="1" latinLnBrk="0" hangingPunct="1">
+      <a:defRPr sz="1200" kern="1200">
+        <a:solidFill>
+          <a:schemeClr val="tx1"/>
+        </a:solidFill>
+        <a:latin typeface="+mn-lt"/>
+        <a:ea typeface="+mn-ea"/>
+        <a:cs typeface="+mn-cs"/>
+      </a:defRPr>
+    </a:lvl6pPr>
+    <a:lvl7pPr marL="2743200" algn="l" defTabSz="914400" rtl="0" eaLnBrk="1" latinLnBrk="0" hangingPunct="1">
+      <a:defRPr sz="1200" kern="1200">
+        <a:solidFill>
+          <a:schemeClr val="tx1"/>
+        </a:solidFill>
+        <a:latin typeface="+mn-lt"/>
+        <a:ea typeface="+mn-ea"/>
+        <a:cs typeface="+mn-cs"/>
+      </a:defRPr>
+    </a:lvl7pPr>
+    <a:lvl8pPr marL="3200400" algn="l" defTabSz="914400" rtl="0" eaLnBrk="1" latinLnBrk="0" hangingPunct="1">
+      <a:defRPr sz="1200" kern="1200">
+        <a:solidFill>
+          <a:schemeClr val="tx1"/>
+        </a:solidFill>
+        <a:latin typeface="+mn-lt"/>
+        <a:ea typeface="+mn-ea"/>
+        <a:cs typeface="+mn-cs"/>
+      </a:defRPr>
+    </a:lvl8pPr>
+    <a:lvl9pPr marL="3657600" algn="l" defTabSz="914400" rtl="0" eaLnBrk="1" latinLnBrk="0" hangingPunct="1">
+      <a:defRPr sz="1200" kern="1200">
+        <a:solidFill>
+          <a:schemeClr val="tx1"/>
+        </a:solidFill>
+        <a:latin typeface="+mn-lt"/>
+        <a:ea typeface="+mn-ea"/>
+        <a:cs typeface="+mn-cs"/>
+      </a:defRPr>
+    </a:lvl9pPr>
+  </p:notesStyle>
+</p:notesMaster>
 </file>
 
 <file path=ppt/slideLayouts/slideLayout1.xml><?xml version="1.0" encoding="utf-8"?>
@@ -453,9 +811,10 @@
           <a:p>
             <a:fld id="{E5FC4A57-7DF5-435F-8761-6667665E953E}" type="datetimeFigureOut">
               <a:rPr lang="ru-RU" smtClean="0"/>
-              <a:t>20.02.2018</a:t>
+              <a:pPr/>
+              <a:t>23.02.2018</a:t>
             </a:fld>
-            <a:endParaRPr lang="ru-RU"/>
+            <a:endParaRPr lang="ru-RU" dirty="0"/>
           </a:p>
         </p:txBody>
       </p:sp>
@@ -474,7 +833,7 @@
           <a:bodyPr/>
           <a:lstStyle/>
           <a:p>
-            <a:endParaRPr lang="ru-RU"/>
+            <a:endParaRPr lang="ru-RU" dirty="0"/>
           </a:p>
         </p:txBody>
       </p:sp>
@@ -495,9 +854,10 @@
           <a:p>
             <a:fld id="{00466CAE-7199-4B7A-B46A-8D366A3CDC02}" type="slidenum">
               <a:rPr lang="ru-RU" smtClean="0"/>
+              <a:pPr/>
               <a:t>‹#›</a:t>
             </a:fld>
-            <a:endParaRPr lang="ru-RU"/>
+            <a:endParaRPr lang="ru-RU" dirty="0"/>
           </a:p>
         </p:txBody>
       </p:sp>
@@ -618,9 +978,10 @@
           <a:p>
             <a:fld id="{E5FC4A57-7DF5-435F-8761-6667665E953E}" type="datetimeFigureOut">
               <a:rPr lang="ru-RU" smtClean="0"/>
-              <a:t>20.02.2018</a:t>
+              <a:pPr/>
+              <a:t>23.02.2018</a:t>
             </a:fld>
-            <a:endParaRPr lang="ru-RU"/>
+            <a:endParaRPr lang="ru-RU" dirty="0"/>
           </a:p>
         </p:txBody>
       </p:sp>
@@ -639,7 +1000,7 @@
           <a:bodyPr/>
           <a:lstStyle/>
           <a:p>
-            <a:endParaRPr lang="ru-RU"/>
+            <a:endParaRPr lang="ru-RU" dirty="0"/>
           </a:p>
         </p:txBody>
       </p:sp>
@@ -660,9 +1021,10 @@
           <a:p>
             <a:fld id="{00466CAE-7199-4B7A-B46A-8D366A3CDC02}" type="slidenum">
               <a:rPr lang="ru-RU" smtClean="0"/>
+              <a:pPr/>
               <a:t>‹#›</a:t>
             </a:fld>
-            <a:endParaRPr lang="ru-RU"/>
+            <a:endParaRPr lang="ru-RU" dirty="0"/>
           </a:p>
         </p:txBody>
       </p:sp>
@@ -793,9 +1155,10 @@
           <a:p>
             <a:fld id="{E5FC4A57-7DF5-435F-8761-6667665E953E}" type="datetimeFigureOut">
               <a:rPr lang="ru-RU" smtClean="0"/>
-              <a:t>20.02.2018</a:t>
+              <a:pPr/>
+              <a:t>23.02.2018</a:t>
             </a:fld>
-            <a:endParaRPr lang="ru-RU"/>
+            <a:endParaRPr lang="ru-RU" dirty="0"/>
           </a:p>
         </p:txBody>
       </p:sp>
@@ -814,7 +1177,7 @@
           <a:bodyPr/>
           <a:lstStyle/>
           <a:p>
-            <a:endParaRPr lang="ru-RU"/>
+            <a:endParaRPr lang="ru-RU" dirty="0"/>
           </a:p>
         </p:txBody>
       </p:sp>
@@ -835,9 +1198,10 @@
           <a:p>
             <a:fld id="{00466CAE-7199-4B7A-B46A-8D366A3CDC02}" type="slidenum">
               <a:rPr lang="ru-RU" smtClean="0"/>
+              <a:pPr/>
               <a:t>‹#›</a:t>
             </a:fld>
-            <a:endParaRPr lang="ru-RU"/>
+            <a:endParaRPr lang="ru-RU" dirty="0"/>
           </a:p>
         </p:txBody>
       </p:sp>
@@ -958,9 +1322,10 @@
           <a:p>
             <a:fld id="{E5FC4A57-7DF5-435F-8761-6667665E953E}" type="datetimeFigureOut">
               <a:rPr lang="ru-RU" smtClean="0"/>
-              <a:t>20.02.2018</a:t>
+              <a:pPr/>
+              <a:t>23.02.2018</a:t>
             </a:fld>
-            <a:endParaRPr lang="ru-RU"/>
+            <a:endParaRPr lang="ru-RU" dirty="0"/>
           </a:p>
         </p:txBody>
       </p:sp>
@@ -979,7 +1344,7 @@
           <a:bodyPr/>
           <a:lstStyle/>
           <a:p>
-            <a:endParaRPr lang="ru-RU"/>
+            <a:endParaRPr lang="ru-RU" dirty="0"/>
           </a:p>
         </p:txBody>
       </p:sp>
@@ -1000,9 +1365,10 @@
           <a:p>
             <a:fld id="{00466CAE-7199-4B7A-B46A-8D366A3CDC02}" type="slidenum">
               <a:rPr lang="ru-RU" smtClean="0"/>
+              <a:pPr/>
               <a:t>‹#›</a:t>
             </a:fld>
-            <a:endParaRPr lang="ru-RU"/>
+            <a:endParaRPr lang="ru-RU" dirty="0"/>
           </a:p>
         </p:txBody>
       </p:sp>
@@ -1199,9 +1565,10 @@
           <a:p>
             <a:fld id="{E5FC4A57-7DF5-435F-8761-6667665E953E}" type="datetimeFigureOut">
               <a:rPr lang="ru-RU" smtClean="0"/>
-              <a:t>20.02.2018</a:t>
+              <a:pPr/>
+              <a:t>23.02.2018</a:t>
             </a:fld>
-            <a:endParaRPr lang="ru-RU"/>
+            <a:endParaRPr lang="ru-RU" dirty="0"/>
           </a:p>
         </p:txBody>
       </p:sp>
@@ -1220,7 +1587,7 @@
           <a:bodyPr/>
           <a:lstStyle/>
           <a:p>
-            <a:endParaRPr lang="ru-RU"/>
+            <a:endParaRPr lang="ru-RU" dirty="0"/>
           </a:p>
         </p:txBody>
       </p:sp>
@@ -1241,9 +1608,10 @@
           <a:p>
             <a:fld id="{00466CAE-7199-4B7A-B46A-8D366A3CDC02}" type="slidenum">
               <a:rPr lang="ru-RU" smtClean="0"/>
+              <a:pPr/>
               <a:t>‹#›</a:t>
             </a:fld>
-            <a:endParaRPr lang="ru-RU"/>
+            <a:endParaRPr lang="ru-RU" dirty="0"/>
           </a:p>
         </p:txBody>
       </p:sp>
@@ -1482,9 +1850,10 @@
           <a:p>
             <a:fld id="{E5FC4A57-7DF5-435F-8761-6667665E953E}" type="datetimeFigureOut">
               <a:rPr lang="ru-RU" smtClean="0"/>
-              <a:t>20.02.2018</a:t>
+              <a:pPr/>
+              <a:t>23.02.2018</a:t>
             </a:fld>
-            <a:endParaRPr lang="ru-RU"/>
+            <a:endParaRPr lang="ru-RU" dirty="0"/>
           </a:p>
         </p:txBody>
       </p:sp>
@@ -1503,7 +1872,7 @@
           <a:bodyPr/>
           <a:lstStyle/>
           <a:p>
-            <a:endParaRPr lang="ru-RU"/>
+            <a:endParaRPr lang="ru-RU" dirty="0"/>
           </a:p>
         </p:txBody>
       </p:sp>
@@ -1524,9 +1893,10 @@
           <a:p>
             <a:fld id="{00466CAE-7199-4B7A-B46A-8D366A3CDC02}" type="slidenum">
               <a:rPr lang="ru-RU" smtClean="0"/>
+              <a:pPr/>
               <a:t>‹#›</a:t>
             </a:fld>
-            <a:endParaRPr lang="ru-RU"/>
+            <a:endParaRPr lang="ru-RU" dirty="0"/>
           </a:p>
         </p:txBody>
       </p:sp>
@@ -1899,9 +2269,10 @@
           <a:p>
             <a:fld id="{E5FC4A57-7DF5-435F-8761-6667665E953E}" type="datetimeFigureOut">
               <a:rPr lang="ru-RU" smtClean="0"/>
-              <a:t>20.02.2018</a:t>
+              <a:pPr/>
+              <a:t>23.02.2018</a:t>
             </a:fld>
-            <a:endParaRPr lang="ru-RU"/>
+            <a:endParaRPr lang="ru-RU" dirty="0"/>
           </a:p>
         </p:txBody>
       </p:sp>
@@ -1920,7 +2291,7 @@
           <a:bodyPr/>
           <a:lstStyle/>
           <a:p>
-            <a:endParaRPr lang="ru-RU"/>
+            <a:endParaRPr lang="ru-RU" dirty="0"/>
           </a:p>
         </p:txBody>
       </p:sp>
@@ -1941,9 +2312,10 @@
           <a:p>
             <a:fld id="{00466CAE-7199-4B7A-B46A-8D366A3CDC02}" type="slidenum">
               <a:rPr lang="ru-RU" smtClean="0"/>
+              <a:pPr/>
               <a:t>‹#›</a:t>
             </a:fld>
-            <a:endParaRPr lang="ru-RU"/>
+            <a:endParaRPr lang="ru-RU" dirty="0"/>
           </a:p>
         </p:txBody>
       </p:sp>
@@ -2012,9 +2384,10 @@
           <a:p>
             <a:fld id="{E5FC4A57-7DF5-435F-8761-6667665E953E}" type="datetimeFigureOut">
               <a:rPr lang="ru-RU" smtClean="0"/>
-              <a:t>20.02.2018</a:t>
+              <a:pPr/>
+              <a:t>23.02.2018</a:t>
             </a:fld>
-            <a:endParaRPr lang="ru-RU"/>
+            <a:endParaRPr lang="ru-RU" dirty="0"/>
           </a:p>
         </p:txBody>
       </p:sp>
@@ -2033,7 +2406,7 @@
           <a:bodyPr/>
           <a:lstStyle/>
           <a:p>
-            <a:endParaRPr lang="ru-RU"/>
+            <a:endParaRPr lang="ru-RU" dirty="0"/>
           </a:p>
         </p:txBody>
       </p:sp>
@@ -2054,9 +2427,10 @@
           <a:p>
             <a:fld id="{00466CAE-7199-4B7A-B46A-8D366A3CDC02}" type="slidenum">
               <a:rPr lang="ru-RU" smtClean="0"/>
+              <a:pPr/>
               <a:t>‹#›</a:t>
             </a:fld>
-            <a:endParaRPr lang="ru-RU"/>
+            <a:endParaRPr lang="ru-RU" dirty="0"/>
           </a:p>
         </p:txBody>
       </p:sp>
@@ -2102,9 +2476,10 @@
           <a:p>
             <a:fld id="{E5FC4A57-7DF5-435F-8761-6667665E953E}" type="datetimeFigureOut">
               <a:rPr lang="ru-RU" smtClean="0"/>
-              <a:t>20.02.2018</a:t>
+              <a:pPr/>
+              <a:t>23.02.2018</a:t>
             </a:fld>
-            <a:endParaRPr lang="ru-RU"/>
+            <a:endParaRPr lang="ru-RU" dirty="0"/>
           </a:p>
         </p:txBody>
       </p:sp>
@@ -2123,7 +2498,7 @@
           <a:bodyPr/>
           <a:lstStyle/>
           <a:p>
-            <a:endParaRPr lang="ru-RU"/>
+            <a:endParaRPr lang="ru-RU" dirty="0"/>
           </a:p>
         </p:txBody>
       </p:sp>
@@ -2144,9 +2519,10 @@
           <a:p>
             <a:fld id="{00466CAE-7199-4B7A-B46A-8D366A3CDC02}" type="slidenum">
               <a:rPr lang="ru-RU" smtClean="0"/>
+              <a:pPr/>
               <a:t>‹#›</a:t>
             </a:fld>
-            <a:endParaRPr lang="ru-RU"/>
+            <a:endParaRPr lang="ru-RU" dirty="0"/>
           </a:p>
         </p:txBody>
       </p:sp>
@@ -2374,9 +2750,10 @@
           <a:p>
             <a:fld id="{E5FC4A57-7DF5-435F-8761-6667665E953E}" type="datetimeFigureOut">
               <a:rPr lang="ru-RU" smtClean="0"/>
-              <a:t>20.02.2018</a:t>
+              <a:pPr/>
+              <a:t>23.02.2018</a:t>
             </a:fld>
-            <a:endParaRPr lang="ru-RU"/>
+            <a:endParaRPr lang="ru-RU" dirty="0"/>
           </a:p>
         </p:txBody>
       </p:sp>
@@ -2395,7 +2772,7 @@
           <a:bodyPr/>
           <a:lstStyle/>
           <a:p>
-            <a:endParaRPr lang="ru-RU"/>
+            <a:endParaRPr lang="ru-RU" dirty="0"/>
           </a:p>
         </p:txBody>
       </p:sp>
@@ -2416,9 +2793,10 @@
           <a:p>
             <a:fld id="{00466CAE-7199-4B7A-B46A-8D366A3CDC02}" type="slidenum">
               <a:rPr lang="ru-RU" smtClean="0"/>
+              <a:pPr/>
               <a:t>‹#›</a:t>
             </a:fld>
-            <a:endParaRPr lang="ru-RU"/>
+            <a:endParaRPr lang="ru-RU" dirty="0"/>
           </a:p>
         </p:txBody>
       </p:sp>
@@ -2536,7 +2914,7 @@
             </a:lvl9pPr>
           </a:lstStyle>
           <a:p>
-            <a:endParaRPr lang="ru-RU"/>
+            <a:endParaRPr lang="ru-RU" dirty="0"/>
           </a:p>
         </p:txBody>
       </p:sp>
@@ -2622,9 +3000,10 @@
           <a:p>
             <a:fld id="{E5FC4A57-7DF5-435F-8761-6667665E953E}" type="datetimeFigureOut">
               <a:rPr lang="ru-RU" smtClean="0"/>
-              <a:t>20.02.2018</a:t>
+              <a:pPr/>
+              <a:t>23.02.2018</a:t>
             </a:fld>
-            <a:endParaRPr lang="ru-RU"/>
+            <a:endParaRPr lang="ru-RU" dirty="0"/>
           </a:p>
         </p:txBody>
       </p:sp>
@@ -2643,7 +3022,7 @@
           <a:bodyPr/>
           <a:lstStyle/>
           <a:p>
-            <a:endParaRPr lang="ru-RU"/>
+            <a:endParaRPr lang="ru-RU" dirty="0"/>
           </a:p>
         </p:txBody>
       </p:sp>
@@ -2664,9 +3043,10 @@
           <a:p>
             <a:fld id="{00466CAE-7199-4B7A-B46A-8D366A3CDC02}" type="slidenum">
               <a:rPr lang="ru-RU" smtClean="0"/>
+              <a:pPr/>
               <a:t>‹#›</a:t>
             </a:fld>
-            <a:endParaRPr lang="ru-RU"/>
+            <a:endParaRPr lang="ru-RU" dirty="0"/>
           </a:p>
         </p:txBody>
       </p:sp>
@@ -2830,9 +3210,10 @@
           <a:p>
             <a:fld id="{E5FC4A57-7DF5-435F-8761-6667665E953E}" type="datetimeFigureOut">
               <a:rPr lang="ru-RU" smtClean="0"/>
-              <a:t>20.02.2018</a:t>
+              <a:pPr/>
+              <a:t>23.02.2018</a:t>
             </a:fld>
-            <a:endParaRPr lang="ru-RU"/>
+            <a:endParaRPr lang="ru-RU" dirty="0"/>
           </a:p>
         </p:txBody>
       </p:sp>
@@ -2869,7 +3250,7 @@
             </a:lvl1pPr>
           </a:lstStyle>
           <a:p>
-            <a:endParaRPr lang="ru-RU"/>
+            <a:endParaRPr lang="ru-RU" dirty="0"/>
           </a:p>
         </p:txBody>
       </p:sp>
@@ -2908,9 +3289,10 @@
           <a:p>
             <a:fld id="{00466CAE-7199-4B7A-B46A-8D366A3CDC02}" type="slidenum">
               <a:rPr lang="ru-RU" smtClean="0"/>
+              <a:pPr/>
               <a:t>‹#›</a:t>
             </a:fld>
-            <a:endParaRPr lang="ru-RU"/>
+            <a:endParaRPr lang="ru-RU" dirty="0"/>
           </a:p>
         </p:txBody>
       </p:sp>
@@ -3265,6 +3647,13 @@
   <p:clrMapOvr>
     <a:masterClrMapping/>
   </p:clrMapOvr>
+  <p:timing>
+    <p:tnLst>
+      <p:par>
+        <p:cTn id="1" dur="indefinite" restart="never" nodeType="tmRoot"/>
+      </p:par>
+    </p:tnLst>
+  </p:timing>
 </p:sld>
 </file>
 
@@ -3300,7 +3689,11 @@
           <a:bodyPr/>
           <a:lstStyle/>
           <a:p>
-            <a:endParaRPr lang="ru-RU"/>
+            <a:r>
+              <a:rPr lang="ru-RU" dirty="0" smtClean="0"/>
+              <a:t>Введение</a:t>
+            </a:r>
+            <a:endParaRPr lang="ru-RU" dirty="0"/>
           </a:p>
         </p:txBody>
       </p:sp>
@@ -3319,7 +3712,17 @@
           <a:bodyPr/>
           <a:lstStyle/>
           <a:p>
-            <a:endParaRPr lang="ru-RU"/>
+            <a:r>
+              <a:rPr lang="ru-RU" dirty="0" smtClean="0"/>
+              <a:t>«Сапёр» является аналогом  компьютерной игры-головоломки с одноименным названием.</a:t>
+            </a:r>
+          </a:p>
+          <a:p>
+            <a:r>
+              <a:rPr lang="ru-RU" dirty="0" smtClean="0"/>
+              <a:t>Игра создана для развитии логики, мышления у играющего.</a:t>
+            </a:r>
+            <a:endParaRPr lang="ru-RU" dirty="0"/>
           </a:p>
         </p:txBody>
       </p:sp>
@@ -3328,6 +3731,13 @@
   <p:clrMapOvr>
     <a:masterClrMapping/>
   </p:clrMapOvr>
+  <p:timing>
+    <p:tnLst>
+      <p:par>
+        <p:cTn id="1" dur="indefinite" restart="never" nodeType="tmRoot"/>
+      </p:par>
+    </p:tnLst>
+  </p:timing>
 </p:sld>
 </file>
 
@@ -3356,7 +3766,7 @@
         </p:nvSpPr>
         <p:spPr>
           <a:xfrm>
-            <a:off x="2214546" y="142852"/>
+            <a:off x="2428860" y="357166"/>
             <a:ext cx="4286280" cy="928694"/>
           </a:xfrm>
           <a:prstGeom prst="roundRect">
@@ -3382,7 +3792,7 @@
           <a:lstStyle/>
           <a:p>
             <a:pPr algn="ctr"/>
-            <a:endParaRPr lang="ru-RU"/>
+            <a:endParaRPr lang="ru-RU" dirty="0"/>
           </a:p>
         </p:txBody>
       </p:sp>
@@ -3398,7 +3808,7 @@
         </p:nvSpPr>
         <p:spPr>
           <a:xfrm>
-            <a:off x="285720" y="0"/>
+            <a:off x="571472" y="214290"/>
             <a:ext cx="8229600" cy="1143000"/>
           </a:xfrm>
         </p:spPr>
@@ -3409,6 +3819,3564 @@
             <a:r>
               <a:rPr lang="ru-RU" dirty="0" smtClean="0"/>
               <a:t>Схема классов</a:t>
+            </a:r>
+            <a:endParaRPr lang="ru-RU" dirty="0"/>
+          </a:p>
+        </p:txBody>
+      </p:sp>
+      <p:graphicFrame>
+        <p:nvGraphicFramePr>
+          <p:cNvPr id="5" name="Таблица 4"/>
+          <p:cNvGraphicFramePr>
+            <a:graphicFrameLocks noGrp="1"/>
+          </p:cNvGraphicFramePr>
+          <p:nvPr/>
+        </p:nvGraphicFramePr>
+        <p:xfrm>
+          <a:off x="1428728" y="1500174"/>
+          <a:ext cx="6429420" cy="5007056"/>
+        </p:xfrm>
+        <a:graphic>
+          <a:graphicData uri="http://schemas.openxmlformats.org/drawingml/2006/table">
+            <a:tbl>
+              <a:tblPr firstRow="1" bandRow="1">
+                <a:tableStyleId>{5C22544A-7EE6-4342-B048-85BDC9FD1C3A}</a:tableStyleId>
+              </a:tblPr>
+              <a:tblGrid>
+                <a:gridCol w="3339958"/>
+                <a:gridCol w="3089462"/>
+              </a:tblGrid>
+              <a:tr h="373676">
+                <a:tc>
+                  <a:txBody>
+                    <a:bodyPr/>
+                    <a:lstStyle/>
+                    <a:p>
+                      <a:r>
+                        <a:rPr lang="en-US" sz="2000" baseline="0" dirty="0" smtClean="0">
+                          <a:solidFill>
+                            <a:schemeClr val="tx1"/>
+                          </a:solidFill>
+                        </a:rPr>
+                        <a:t>class Board</a:t>
+                      </a:r>
+                      <a:endParaRPr lang="ru-RU" sz="2000" baseline="0" dirty="0">
+                        <a:solidFill>
+                          <a:schemeClr val="tx1"/>
+                        </a:solidFill>
+                      </a:endParaRPr>
+                    </a:p>
+                  </a:txBody>
+                  <a:tcPr>
+                    <a:lnL w="12700" cap="flat" cmpd="sng" algn="ctr">
+                      <a:solidFill>
+                        <a:schemeClr val="tx1"/>
+                      </a:solidFill>
+                      <a:prstDash val="solid"/>
+                      <a:round/>
+                      <a:headEnd type="none" w="med" len="med"/>
+                      <a:tailEnd type="none" w="med" len="med"/>
+                    </a:lnL>
+                    <a:lnR w="12700" cap="flat" cmpd="sng" algn="ctr">
+                      <a:solidFill>
+                        <a:schemeClr val="tx1"/>
+                      </a:solidFill>
+                      <a:prstDash val="solid"/>
+                      <a:round/>
+                      <a:headEnd type="none" w="med" len="med"/>
+                      <a:tailEnd type="none" w="med" len="med"/>
+                    </a:lnR>
+                    <a:lnT w="12700" cap="flat" cmpd="sng" algn="ctr">
+                      <a:solidFill>
+                        <a:schemeClr val="tx1"/>
+                      </a:solidFill>
+                      <a:prstDash val="solid"/>
+                      <a:round/>
+                      <a:headEnd type="none" w="med" len="med"/>
+                      <a:tailEnd type="none" w="med" len="med"/>
+                    </a:lnT>
+                    <a:lnB w="12700" cap="flat" cmpd="sng" algn="ctr">
+                      <a:solidFill>
+                        <a:schemeClr val="tx1"/>
+                      </a:solidFill>
+                      <a:prstDash val="solid"/>
+                      <a:round/>
+                      <a:headEnd type="none" w="med" len="med"/>
+                      <a:tailEnd type="none" w="med" len="med"/>
+                    </a:lnB>
+                    <a:lnTlToBr w="12700" cmpd="sng">
+                      <a:noFill/>
+                      <a:prstDash val="solid"/>
+                    </a:lnTlToBr>
+                    <a:lnBlToTr w="12700" cmpd="sng">
+                      <a:noFill/>
+                      <a:prstDash val="solid"/>
+                    </a:lnBlToTr>
+                    <a:noFill/>
+                  </a:tcPr>
+                </a:tc>
+                <a:tc>
+                  <a:txBody>
+                    <a:bodyPr/>
+                    <a:lstStyle/>
+                    <a:p>
+                      <a:r>
+                        <a:rPr lang="en-US" sz="2000" baseline="0" dirty="0" smtClean="0">
+                          <a:solidFill>
+                            <a:schemeClr val="tx1"/>
+                          </a:solidFill>
+                        </a:rPr>
+                        <a:t>class Minesweeper(Board)</a:t>
+                      </a:r>
+                      <a:endParaRPr lang="ru-RU" sz="2000" baseline="0" dirty="0">
+                        <a:solidFill>
+                          <a:schemeClr val="tx1"/>
+                        </a:solidFill>
+                      </a:endParaRPr>
+                    </a:p>
+                  </a:txBody>
+                  <a:tcPr>
+                    <a:lnL w="12700" cap="flat" cmpd="sng" algn="ctr">
+                      <a:solidFill>
+                        <a:schemeClr val="tx1"/>
+                      </a:solidFill>
+                      <a:prstDash val="solid"/>
+                      <a:round/>
+                      <a:headEnd type="none" w="med" len="med"/>
+                      <a:tailEnd type="none" w="med" len="med"/>
+                    </a:lnL>
+                    <a:lnR w="12700" cap="flat" cmpd="sng" algn="ctr">
+                      <a:solidFill>
+                        <a:schemeClr val="tx1"/>
+                      </a:solidFill>
+                      <a:prstDash val="solid"/>
+                      <a:round/>
+                      <a:headEnd type="none" w="med" len="med"/>
+                      <a:tailEnd type="none" w="med" len="med"/>
+                    </a:lnR>
+                    <a:lnT w="12700" cap="flat" cmpd="sng" algn="ctr">
+                      <a:solidFill>
+                        <a:schemeClr val="tx1"/>
+                      </a:solidFill>
+                      <a:prstDash val="solid"/>
+                      <a:round/>
+                      <a:headEnd type="none" w="med" len="med"/>
+                      <a:tailEnd type="none" w="med" len="med"/>
+                    </a:lnT>
+                    <a:lnB w="12700" cap="flat" cmpd="sng" algn="ctr">
+                      <a:solidFill>
+                        <a:schemeClr val="tx1"/>
+                      </a:solidFill>
+                      <a:prstDash val="solid"/>
+                      <a:round/>
+                      <a:headEnd type="none" w="med" len="med"/>
+                      <a:tailEnd type="none" w="med" len="med"/>
+                    </a:lnB>
+                    <a:noFill/>
+                  </a:tcPr>
+                </a:tc>
+              </a:tr>
+              <a:tr h="2385776">
+                <a:tc>
+                  <a:txBody>
+                    <a:bodyPr/>
+                    <a:lstStyle/>
+                    <a:p>
+                      <a:r>
+                        <a:rPr lang="en-US" sz="2000" baseline="0" dirty="0" smtClean="0"/>
+                        <a:t>-self.width: int;     </a:t>
+                      </a:r>
+                    </a:p>
+                    <a:p>
+                      <a:r>
+                        <a:rPr lang="en-US" sz="2000" baseline="0" dirty="0" smtClean="0"/>
+                        <a:t>-self.height: int;</a:t>
+                      </a:r>
+                    </a:p>
+                    <a:p>
+                      <a:r>
+                        <a:rPr lang="en-US" sz="2000" baseline="0" dirty="0" smtClean="0"/>
+                        <a:t>-self.cell_size: int;</a:t>
+                      </a:r>
+                    </a:p>
+                    <a:p>
+                      <a:r>
+                        <a:rPr lang="en-US" sz="2000" baseline="0" dirty="0" smtClean="0"/>
+                        <a:t>-self.top: int;</a:t>
+                      </a:r>
+                    </a:p>
+                    <a:p>
+                      <a:r>
+                        <a:rPr lang="en-US" sz="2000" baseline="0" dirty="0" smtClean="0"/>
+                        <a:t>-self.left: int;</a:t>
+                      </a:r>
+                    </a:p>
+                    <a:p>
+                      <a:r>
+                        <a:rPr lang="en-US" sz="2000" baseline="0" dirty="0" smtClean="0"/>
+                        <a:t>-self.board: list</a:t>
+                      </a:r>
+                      <a:endParaRPr lang="ru-RU" sz="2000" baseline="0" dirty="0"/>
+                    </a:p>
+                  </a:txBody>
+                  <a:tcPr>
+                    <a:lnL w="12700" cap="flat" cmpd="sng" algn="ctr">
+                      <a:solidFill>
+                        <a:schemeClr val="tx1"/>
+                      </a:solidFill>
+                      <a:prstDash val="solid"/>
+                      <a:round/>
+                      <a:headEnd type="none" w="med" len="med"/>
+                      <a:tailEnd type="none" w="med" len="med"/>
+                    </a:lnL>
+                    <a:lnR w="12700" cap="flat" cmpd="sng" algn="ctr">
+                      <a:solidFill>
+                        <a:schemeClr val="tx1"/>
+                      </a:solidFill>
+                      <a:prstDash val="solid"/>
+                      <a:round/>
+                      <a:headEnd type="none" w="med" len="med"/>
+                      <a:tailEnd type="none" w="med" len="med"/>
+                    </a:lnR>
+                    <a:lnT w="12700" cap="flat" cmpd="sng" algn="ctr">
+                      <a:solidFill>
+                        <a:schemeClr val="tx1"/>
+                      </a:solidFill>
+                      <a:prstDash val="solid"/>
+                      <a:round/>
+                      <a:headEnd type="none" w="med" len="med"/>
+                      <a:tailEnd type="none" w="med" len="med"/>
+                    </a:lnT>
+                    <a:lnB w="12700" cap="flat" cmpd="sng" algn="ctr">
+                      <a:solidFill>
+                        <a:schemeClr val="tx1"/>
+                      </a:solidFill>
+                      <a:prstDash val="solid"/>
+                      <a:round/>
+                      <a:headEnd type="none" w="med" len="med"/>
+                      <a:tailEnd type="none" w="med" len="med"/>
+                    </a:lnB>
+                    <a:noFill/>
+                  </a:tcPr>
+                </a:tc>
+                <a:tc>
+                  <a:txBody>
+                    <a:bodyPr/>
+                    <a:lstStyle/>
+                    <a:p>
+                      <a:r>
+                        <a:rPr lang="en-US" sz="2000" baseline="0" dirty="0" smtClean="0"/>
+                        <a:t>-</a:t>
+                      </a:r>
+                      <a:r>
+                        <a:rPr lang="en-US" sz="2000" baseline="0" dirty="0" err="1" smtClean="0"/>
+                        <a:t>self.mine</a:t>
+                      </a:r>
+                      <a:endParaRPr lang="en-US" sz="2000" baseline="0" dirty="0" smtClean="0"/>
+                    </a:p>
+                    <a:p>
+                      <a:r>
+                        <a:rPr lang="en-US" sz="2000" baseline="0" dirty="0" smtClean="0"/>
+                        <a:t>-</a:t>
+                      </a:r>
+                      <a:r>
+                        <a:rPr lang="en-US" sz="2000" baseline="0" dirty="0" smtClean="0"/>
+                        <a:t>self.font</a:t>
+                      </a:r>
+                    </a:p>
+                    <a:p>
+                      <a:r>
+                        <a:rPr lang="en-US" sz="2000" baseline="0" dirty="0" smtClean="0"/>
+                        <a:t>-self.text_color</a:t>
+                      </a:r>
+                    </a:p>
+                    <a:p>
+                      <a:r>
+                        <a:rPr lang="en-US" sz="2000" baseline="0" dirty="0" smtClean="0"/>
+                        <a:t>-</a:t>
+                      </a:r>
+                      <a:r>
+                        <a:rPr lang="en-US" sz="2000" baseline="0" dirty="0" smtClean="0"/>
+                        <a:t>self.play</a:t>
+                      </a:r>
+                    </a:p>
+                    <a:p>
+                      <a:r>
+                        <a:rPr lang="en-US" sz="2000" baseline="0" dirty="0" smtClean="0"/>
+                        <a:t>-self.win</a:t>
+                      </a:r>
+                    </a:p>
+                    <a:p>
+                      <a:r>
+                        <a:rPr lang="en-US" sz="2000" baseline="0" dirty="0" smtClean="0"/>
+                        <a:t>-self.flags</a:t>
+                      </a:r>
+                      <a:endParaRPr lang="ru-RU" sz="2000" baseline="0" dirty="0"/>
+                    </a:p>
+                  </a:txBody>
+                  <a:tcPr>
+                    <a:lnL w="12700" cap="flat" cmpd="sng" algn="ctr">
+                      <a:solidFill>
+                        <a:schemeClr val="tx1"/>
+                      </a:solidFill>
+                      <a:prstDash val="solid"/>
+                      <a:round/>
+                      <a:headEnd type="none" w="med" len="med"/>
+                      <a:tailEnd type="none" w="med" len="med"/>
+                    </a:lnL>
+                    <a:lnR w="12700" cap="flat" cmpd="sng" algn="ctr">
+                      <a:solidFill>
+                        <a:schemeClr val="tx1"/>
+                      </a:solidFill>
+                      <a:prstDash val="solid"/>
+                      <a:round/>
+                      <a:headEnd type="none" w="med" len="med"/>
+                      <a:tailEnd type="none" w="med" len="med"/>
+                    </a:lnR>
+                    <a:lnT w="12700" cap="flat" cmpd="sng" algn="ctr">
+                      <a:solidFill>
+                        <a:schemeClr val="tx1"/>
+                      </a:solidFill>
+                      <a:prstDash val="solid"/>
+                      <a:round/>
+                      <a:headEnd type="none" w="med" len="med"/>
+                      <a:tailEnd type="none" w="med" len="med"/>
+                    </a:lnT>
+                    <a:lnB w="12700" cap="flat" cmpd="sng" algn="ctr">
+                      <a:solidFill>
+                        <a:schemeClr val="tx1"/>
+                      </a:solidFill>
+                      <a:prstDash val="solid"/>
+                      <a:round/>
+                      <a:headEnd type="none" w="med" len="med"/>
+                      <a:tailEnd type="none" w="med" len="med"/>
+                    </a:lnB>
+                    <a:noFill/>
+                  </a:tcPr>
+                </a:tc>
+              </a:tr>
+              <a:tr h="2010725">
+                <a:tc>
+                  <a:txBody>
+                    <a:bodyPr/>
+                    <a:lstStyle/>
+                    <a:p>
+                      <a:r>
+                        <a:rPr lang="en-US" sz="2000" baseline="0" dirty="0" smtClean="0"/>
+                        <a:t>+set_view(value: int)</a:t>
+                      </a:r>
+                    </a:p>
+                    <a:p>
+                      <a:r>
+                        <a:rPr lang="en-US" sz="2000" baseline="0" dirty="0" smtClean="0"/>
+                        <a:t>+render</a:t>
+                      </a:r>
+                      <a:r>
+                        <a:rPr lang="en-US" sz="2000" baseline="0" dirty="0" smtClean="0"/>
+                        <a:t>()</a:t>
+                      </a:r>
+                      <a:endParaRPr lang="ru-RU" sz="2000" baseline="0" dirty="0" smtClean="0"/>
+                    </a:p>
+                    <a:p>
+                      <a:r>
+                        <a:rPr lang="ru-RU" sz="2000" baseline="0" dirty="0" smtClean="0"/>
+                        <a:t>+</a:t>
+                      </a:r>
+                      <a:r>
+                        <a:rPr lang="en-US" sz="2000" baseline="0" dirty="0" err="1" smtClean="0"/>
+                        <a:t>on_click</a:t>
+                      </a:r>
+                      <a:r>
+                        <a:rPr lang="en-US" sz="2000" baseline="0" dirty="0" smtClean="0"/>
+                        <a:t>()</a:t>
+                      </a:r>
+                      <a:r>
+                        <a:rPr lang="en-US" sz="2000" baseline="0" dirty="0" smtClean="0"/>
+                        <a:t/>
+                      </a:r>
+                      <a:br>
+                        <a:rPr lang="en-US" sz="2000" baseline="0" dirty="0" smtClean="0"/>
+                      </a:br>
+                      <a:r>
+                        <a:rPr lang="en-US" sz="2000" baseline="0" dirty="0" smtClean="0"/>
+                        <a:t>+get_click()</a:t>
+                      </a:r>
+                    </a:p>
+                    <a:p>
+                      <a:r>
+                        <a:rPr lang="en-US" sz="2000" baseline="0" dirty="0" smtClean="0"/>
+                        <a:t>+get_cell(value: tuple): int</a:t>
+                      </a:r>
+                      <a:endParaRPr lang="ru-RU" sz="2000" baseline="0" dirty="0"/>
+                    </a:p>
+                  </a:txBody>
+                  <a:tcPr>
+                    <a:lnL w="12700" cap="flat" cmpd="sng" algn="ctr">
+                      <a:solidFill>
+                        <a:schemeClr val="tx1"/>
+                      </a:solidFill>
+                      <a:prstDash val="solid"/>
+                      <a:round/>
+                      <a:headEnd type="none" w="med" len="med"/>
+                      <a:tailEnd type="none" w="med" len="med"/>
+                    </a:lnL>
+                    <a:lnR w="12700" cap="flat" cmpd="sng" algn="ctr">
+                      <a:solidFill>
+                        <a:schemeClr val="tx1"/>
+                      </a:solidFill>
+                      <a:prstDash val="solid"/>
+                      <a:round/>
+                      <a:headEnd type="none" w="med" len="med"/>
+                      <a:tailEnd type="none" w="med" len="med"/>
+                    </a:lnR>
+                    <a:lnT w="12700" cap="flat" cmpd="sng" algn="ctr">
+                      <a:solidFill>
+                        <a:schemeClr val="tx1"/>
+                      </a:solidFill>
+                      <a:prstDash val="solid"/>
+                      <a:round/>
+                      <a:headEnd type="none" w="med" len="med"/>
+                      <a:tailEnd type="none" w="med" len="med"/>
+                    </a:lnT>
+                    <a:lnB w="12700" cap="flat" cmpd="sng" algn="ctr">
+                      <a:solidFill>
+                        <a:schemeClr val="tx1"/>
+                      </a:solidFill>
+                      <a:prstDash val="solid"/>
+                      <a:round/>
+                      <a:headEnd type="none" w="med" len="med"/>
+                      <a:tailEnd type="none" w="med" len="med"/>
+                    </a:lnB>
+                    <a:noFill/>
+                  </a:tcPr>
+                </a:tc>
+                <a:tc>
+                  <a:txBody>
+                    <a:bodyPr/>
+                    <a:lstStyle/>
+                    <a:p>
+                      <a:r>
+                        <a:rPr lang="en-US" sz="2000" baseline="0" dirty="0" smtClean="0"/>
+                        <a:t>+get_top_left()</a:t>
+                      </a:r>
+                    </a:p>
+                    <a:p>
+                      <a:r>
+                        <a:rPr lang="en-US" sz="2000" baseline="0" dirty="0" smtClean="0"/>
+                        <a:t>+mines()</a:t>
+                      </a:r>
+                      <a:endParaRPr lang="en-US" sz="2000" baseline="0" dirty="0" smtClean="0"/>
+                    </a:p>
+                    <a:p>
+                      <a:r>
+                        <a:rPr lang="en-US" sz="2000" baseline="0" dirty="0" smtClean="0"/>
+                        <a:t>+open_cell(value: tuple)</a:t>
+                      </a:r>
+                    </a:p>
+                    <a:p>
+                      <a:r>
+                        <a:rPr lang="en-US" sz="2000" baseline="0" dirty="0" smtClean="0"/>
+                        <a:t>+flag(value: tuple)</a:t>
+                      </a:r>
+                    </a:p>
+                    <a:p>
+                      <a:r>
+                        <a:rPr lang="en-US" sz="2000" baseline="0" dirty="0" smtClean="0"/>
+                        <a:t>+get_click(value: tuple)</a:t>
+                      </a:r>
+                    </a:p>
+                    <a:p>
+                      <a:r>
+                        <a:rPr lang="en-US" sz="2000" baseline="0" dirty="0" smtClean="0"/>
+                        <a:t>+get_info()</a:t>
+                      </a:r>
+                    </a:p>
+                    <a:p>
+                      <a:endParaRPr lang="en-US" sz="2000" baseline="0" dirty="0" smtClean="0"/>
+                    </a:p>
+                  </a:txBody>
+                  <a:tcPr>
+                    <a:lnL w="12700" cap="flat" cmpd="sng" algn="ctr">
+                      <a:solidFill>
+                        <a:schemeClr val="tx1"/>
+                      </a:solidFill>
+                      <a:prstDash val="solid"/>
+                      <a:round/>
+                      <a:headEnd type="none" w="med" len="med"/>
+                      <a:tailEnd type="none" w="med" len="med"/>
+                    </a:lnL>
+                    <a:lnR w="12700" cap="flat" cmpd="sng" algn="ctr">
+                      <a:solidFill>
+                        <a:schemeClr val="tx1"/>
+                      </a:solidFill>
+                      <a:prstDash val="solid"/>
+                      <a:round/>
+                      <a:headEnd type="none" w="med" len="med"/>
+                      <a:tailEnd type="none" w="med" len="med"/>
+                    </a:lnR>
+                    <a:lnT w="12700" cap="flat" cmpd="sng" algn="ctr">
+                      <a:solidFill>
+                        <a:schemeClr val="tx1"/>
+                      </a:solidFill>
+                      <a:prstDash val="solid"/>
+                      <a:round/>
+                      <a:headEnd type="none" w="med" len="med"/>
+                      <a:tailEnd type="none" w="med" len="med"/>
+                    </a:lnT>
+                    <a:lnB w="12700" cap="flat" cmpd="sng" algn="ctr">
+                      <a:solidFill>
+                        <a:schemeClr val="tx1"/>
+                      </a:solidFill>
+                      <a:prstDash val="solid"/>
+                      <a:round/>
+                      <a:headEnd type="none" w="med" len="med"/>
+                      <a:tailEnd type="none" w="med" len="med"/>
+                    </a:lnB>
+                    <a:noFill/>
+                  </a:tcPr>
+                </a:tc>
+              </a:tr>
+            </a:tbl>
+          </a:graphicData>
+        </a:graphic>
+      </p:graphicFrame>
+    </p:spTree>
+  </p:cSld>
+  <p:clrMapOvr>
+    <a:masterClrMapping/>
+  </p:clrMapOvr>
+  <p:timing>
+    <p:tnLst>
+      <p:par>
+        <p:cTn id="1" dur="indefinite" restart="never" nodeType="tmRoot"/>
+      </p:par>
+    </p:tnLst>
+  </p:timing>
+</p:sld>
+</file>
+
+<file path=ppt/slides/slide4.xml><?xml version="1.0" encoding="utf-8"?>
+<p:sld xmlns:a="http://schemas.openxmlformats.org/drawingml/2006/main" xmlns:r="http://schemas.openxmlformats.org/officeDocument/2006/relationships" xmlns:p="http://schemas.openxmlformats.org/presentationml/2006/main">
+  <p:cSld>
+    <p:spTree>
+      <p:nvGrpSpPr>
+        <p:cNvPr id="1" name=""/>
+        <p:cNvGrpSpPr/>
+        <p:nvPr/>
+      </p:nvGrpSpPr>
+      <p:grpSpPr>
+        <a:xfrm>
+          <a:off x="0" y="0"/>
+          <a:ext cx="0" cy="0"/>
+          <a:chOff x="0" y="0"/>
+          <a:chExt cx="0" cy="0"/>
+        </a:xfrm>
+      </p:grpSpPr>
+      <p:graphicFrame>
+        <p:nvGraphicFramePr>
+          <p:cNvPr id="4" name="Таблица 3"/>
+          <p:cNvGraphicFramePr>
+            <a:graphicFrameLocks noGrp="1"/>
+          </p:cNvGraphicFramePr>
+          <p:nvPr/>
+        </p:nvGraphicFramePr>
+        <p:xfrm>
+          <a:off x="571472" y="1000108"/>
+          <a:ext cx="8072494" cy="4840612"/>
+        </p:xfrm>
+        <a:graphic>
+          <a:graphicData uri="http://schemas.openxmlformats.org/drawingml/2006/table">
+            <a:tbl>
+              <a:tblPr firstRow="1" bandRow="1">
+                <a:tableStyleId>{5C22544A-7EE6-4342-B048-85BDC9FD1C3A}</a:tableStyleId>
+              </a:tblPr>
+              <a:tblGrid>
+                <a:gridCol w="2452403"/>
+                <a:gridCol w="2861137"/>
+                <a:gridCol w="2758954"/>
+              </a:tblGrid>
+              <a:tr h="1000132">
+                <a:tc>
+                  <a:txBody>
+                    <a:bodyPr/>
+                    <a:lstStyle/>
+                    <a:p>
+                      <a:r>
+                        <a:rPr lang="en-US" sz="2000" dirty="0" smtClean="0">
+                          <a:solidFill>
+                            <a:schemeClr val="tx1"/>
+                          </a:solidFill>
+                        </a:rPr>
+                        <a:t>class GUI</a:t>
+                      </a:r>
+                      <a:endParaRPr lang="ru-RU" sz="2000" dirty="0">
+                        <a:solidFill>
+                          <a:schemeClr val="tx1"/>
+                        </a:solidFill>
+                      </a:endParaRPr>
+                    </a:p>
+                  </a:txBody>
+                  <a:tcPr>
+                    <a:lnL w="12700" cap="flat" cmpd="sng" algn="ctr">
+                      <a:solidFill>
+                        <a:schemeClr val="tx1"/>
+                      </a:solidFill>
+                      <a:prstDash val="solid"/>
+                      <a:round/>
+                      <a:headEnd type="none" w="med" len="med"/>
+                      <a:tailEnd type="none" w="med" len="med"/>
+                    </a:lnL>
+                    <a:lnR w="12700" cap="flat" cmpd="sng" algn="ctr">
+                      <a:solidFill>
+                        <a:schemeClr val="tx1"/>
+                      </a:solidFill>
+                      <a:prstDash val="solid"/>
+                      <a:round/>
+                      <a:headEnd type="none" w="med" len="med"/>
+                      <a:tailEnd type="none" w="med" len="med"/>
+                    </a:lnR>
+                    <a:lnT w="12700" cap="flat" cmpd="sng" algn="ctr">
+                      <a:solidFill>
+                        <a:schemeClr val="tx1"/>
+                      </a:solidFill>
+                      <a:prstDash val="solid"/>
+                      <a:round/>
+                      <a:headEnd type="none" w="med" len="med"/>
+                      <a:tailEnd type="none" w="med" len="med"/>
+                    </a:lnT>
+                    <a:lnB w="12700" cap="flat" cmpd="sng" algn="ctr">
+                      <a:solidFill>
+                        <a:schemeClr val="tx1"/>
+                      </a:solidFill>
+                      <a:prstDash val="solid"/>
+                      <a:round/>
+                      <a:headEnd type="none" w="med" len="med"/>
+                      <a:tailEnd type="none" w="med" len="med"/>
+                    </a:lnB>
+                    <a:noFill/>
+                  </a:tcPr>
+                </a:tc>
+                <a:tc>
+                  <a:txBody>
+                    <a:bodyPr/>
+                    <a:lstStyle/>
+                    <a:p>
+                      <a:r>
+                        <a:rPr lang="en-US" sz="2000" dirty="0" smtClean="0">
+                          <a:solidFill>
+                            <a:schemeClr val="tx1"/>
+                          </a:solidFill>
+                        </a:rPr>
+                        <a:t>class Label</a:t>
+                      </a:r>
+                      <a:endParaRPr lang="ru-RU" sz="2000" dirty="0">
+                        <a:solidFill>
+                          <a:schemeClr val="tx1"/>
+                        </a:solidFill>
+                      </a:endParaRPr>
+                    </a:p>
+                  </a:txBody>
+                  <a:tcPr>
+                    <a:lnL w="12700" cap="flat" cmpd="sng" algn="ctr">
+                      <a:solidFill>
+                        <a:schemeClr val="tx1"/>
+                      </a:solidFill>
+                      <a:prstDash val="solid"/>
+                      <a:round/>
+                      <a:headEnd type="none" w="med" len="med"/>
+                      <a:tailEnd type="none" w="med" len="med"/>
+                    </a:lnL>
+                    <a:lnR w="12700" cap="flat" cmpd="sng" algn="ctr">
+                      <a:solidFill>
+                        <a:schemeClr val="tx1"/>
+                      </a:solidFill>
+                      <a:prstDash val="solid"/>
+                      <a:round/>
+                      <a:headEnd type="none" w="med" len="med"/>
+                      <a:tailEnd type="none" w="med" len="med"/>
+                    </a:lnR>
+                    <a:lnT w="12700" cap="flat" cmpd="sng" algn="ctr">
+                      <a:solidFill>
+                        <a:schemeClr val="tx1"/>
+                      </a:solidFill>
+                      <a:prstDash val="solid"/>
+                      <a:round/>
+                      <a:headEnd type="none" w="med" len="med"/>
+                      <a:tailEnd type="none" w="med" len="med"/>
+                    </a:lnT>
+                    <a:lnB w="12700" cap="flat" cmpd="sng" algn="ctr">
+                      <a:solidFill>
+                        <a:schemeClr val="tx1"/>
+                      </a:solidFill>
+                      <a:prstDash val="solid"/>
+                      <a:round/>
+                      <a:headEnd type="none" w="med" len="med"/>
+                      <a:tailEnd type="none" w="med" len="med"/>
+                    </a:lnB>
+                    <a:noFill/>
+                  </a:tcPr>
+                </a:tc>
+                <a:tc>
+                  <a:txBody>
+                    <a:bodyPr/>
+                    <a:lstStyle/>
+                    <a:p>
+                      <a:r>
+                        <a:rPr lang="en-US" sz="2000" dirty="0" smtClean="0">
+                          <a:solidFill>
+                            <a:schemeClr val="tx1"/>
+                          </a:solidFill>
+                        </a:rPr>
+                        <a:t>class Button(Label)</a:t>
+                      </a:r>
+                      <a:endParaRPr lang="ru-RU" sz="2000" dirty="0">
+                        <a:solidFill>
+                          <a:schemeClr val="tx1"/>
+                        </a:solidFill>
+                      </a:endParaRPr>
+                    </a:p>
+                  </a:txBody>
+                  <a:tcPr>
+                    <a:lnL w="12700" cap="flat" cmpd="sng" algn="ctr">
+                      <a:solidFill>
+                        <a:schemeClr val="tx1"/>
+                      </a:solidFill>
+                      <a:prstDash val="solid"/>
+                      <a:round/>
+                      <a:headEnd type="none" w="med" len="med"/>
+                      <a:tailEnd type="none" w="med" len="med"/>
+                    </a:lnL>
+                    <a:lnR w="12700" cap="flat" cmpd="sng" algn="ctr">
+                      <a:solidFill>
+                        <a:schemeClr val="tx1"/>
+                      </a:solidFill>
+                      <a:prstDash val="solid"/>
+                      <a:round/>
+                      <a:headEnd type="none" w="med" len="med"/>
+                      <a:tailEnd type="none" w="med" len="med"/>
+                    </a:lnR>
+                    <a:lnT w="12700" cap="flat" cmpd="sng" algn="ctr">
+                      <a:solidFill>
+                        <a:schemeClr val="tx1"/>
+                      </a:solidFill>
+                      <a:prstDash val="solid"/>
+                      <a:round/>
+                      <a:headEnd type="none" w="med" len="med"/>
+                      <a:tailEnd type="none" w="med" len="med"/>
+                    </a:lnT>
+                    <a:lnB w="12700" cap="flat" cmpd="sng" algn="ctr">
+                      <a:solidFill>
+                        <a:schemeClr val="tx1"/>
+                      </a:solidFill>
+                      <a:prstDash val="solid"/>
+                      <a:round/>
+                      <a:headEnd type="none" w="med" len="med"/>
+                      <a:tailEnd type="none" w="med" len="med"/>
+                    </a:lnB>
+                    <a:noFill/>
+                  </a:tcPr>
+                </a:tc>
+              </a:tr>
+              <a:tr h="1952639">
+                <a:tc>
+                  <a:txBody>
+                    <a:bodyPr/>
+                    <a:lstStyle/>
+                    <a:p>
+                      <a:r>
+                        <a:rPr lang="en-US" sz="2000" dirty="0" smtClean="0"/>
+                        <a:t>-self.elements</a:t>
+                      </a:r>
+                      <a:endParaRPr lang="ru-RU" sz="2000" dirty="0"/>
+                    </a:p>
+                  </a:txBody>
+                  <a:tcPr>
+                    <a:lnL w="12700" cap="flat" cmpd="sng" algn="ctr">
+                      <a:solidFill>
+                        <a:schemeClr val="tx1"/>
+                      </a:solidFill>
+                      <a:prstDash val="solid"/>
+                      <a:round/>
+                      <a:headEnd type="none" w="med" len="med"/>
+                      <a:tailEnd type="none" w="med" len="med"/>
+                    </a:lnL>
+                    <a:lnR w="12700" cap="flat" cmpd="sng" algn="ctr">
+                      <a:solidFill>
+                        <a:schemeClr val="tx1"/>
+                      </a:solidFill>
+                      <a:prstDash val="solid"/>
+                      <a:round/>
+                      <a:headEnd type="none" w="med" len="med"/>
+                      <a:tailEnd type="none" w="med" len="med"/>
+                    </a:lnR>
+                    <a:lnT w="12700" cap="flat" cmpd="sng" algn="ctr">
+                      <a:solidFill>
+                        <a:schemeClr val="tx1"/>
+                      </a:solidFill>
+                      <a:prstDash val="solid"/>
+                      <a:round/>
+                      <a:headEnd type="none" w="med" len="med"/>
+                      <a:tailEnd type="none" w="med" len="med"/>
+                    </a:lnT>
+                    <a:lnB w="12700" cap="flat" cmpd="sng" algn="ctr">
+                      <a:solidFill>
+                        <a:schemeClr val="tx1"/>
+                      </a:solidFill>
+                      <a:prstDash val="solid"/>
+                      <a:round/>
+                      <a:headEnd type="none" w="med" len="med"/>
+                      <a:tailEnd type="none" w="med" len="med"/>
+                    </a:lnB>
+                    <a:noFill/>
+                  </a:tcPr>
+                </a:tc>
+                <a:tc>
+                  <a:txBody>
+                    <a:bodyPr/>
+                    <a:lstStyle/>
+                    <a:p>
+                      <a:pPr>
+                        <a:buFontTx/>
+                        <a:buChar char="-"/>
+                      </a:pPr>
+                      <a:r>
+                        <a:rPr lang="en-US" sz="2000" dirty="0" smtClean="0"/>
+                        <a:t>self.Rect</a:t>
+                      </a:r>
+                    </a:p>
+                    <a:p>
+                      <a:pPr>
+                        <a:buFontTx/>
+                        <a:buChar char="-"/>
+                      </a:pPr>
+                      <a:r>
+                        <a:rPr lang="en-US" sz="2000" dirty="0" smtClean="0"/>
+                        <a:t>self.text</a:t>
+                      </a:r>
+                    </a:p>
+                    <a:p>
+                      <a:r>
+                        <a:rPr lang="en-US" sz="2000" dirty="0" smtClean="0"/>
+                        <a:t>-self.bgcolor</a:t>
+                      </a:r>
+                    </a:p>
+                    <a:p>
+                      <a:r>
+                        <a:rPr lang="en-US" sz="2000" dirty="0" smtClean="0"/>
+                        <a:t>-self.font_color</a:t>
+                      </a:r>
+                    </a:p>
+                    <a:p>
+                      <a:r>
+                        <a:rPr lang="en-US" sz="2000" dirty="0" smtClean="0"/>
+                        <a:t>-self.font</a:t>
+                      </a:r>
+                    </a:p>
+                    <a:p>
+                      <a:r>
+                        <a:rPr lang="en-US" sz="2000" dirty="0" smtClean="0"/>
+                        <a:t>-self.rendered_text</a:t>
+                      </a:r>
+                    </a:p>
+                    <a:p>
+                      <a:r>
+                        <a:rPr lang="en-US" sz="2000" dirty="0" smtClean="0"/>
+                        <a:t>-self.rendered_rect</a:t>
+                      </a:r>
+                      <a:endParaRPr lang="ru-RU" sz="2000" dirty="0" smtClean="0"/>
+                    </a:p>
+                  </a:txBody>
+                  <a:tcPr>
+                    <a:lnL w="12700" cap="flat" cmpd="sng" algn="ctr">
+                      <a:solidFill>
+                        <a:schemeClr val="tx1"/>
+                      </a:solidFill>
+                      <a:prstDash val="solid"/>
+                      <a:round/>
+                      <a:headEnd type="none" w="med" len="med"/>
+                      <a:tailEnd type="none" w="med" len="med"/>
+                    </a:lnL>
+                    <a:lnR w="12700" cap="flat" cmpd="sng" algn="ctr">
+                      <a:solidFill>
+                        <a:schemeClr val="tx1"/>
+                      </a:solidFill>
+                      <a:prstDash val="solid"/>
+                      <a:round/>
+                      <a:headEnd type="none" w="med" len="med"/>
+                      <a:tailEnd type="none" w="med" len="med"/>
+                    </a:lnR>
+                    <a:lnT w="12700" cap="flat" cmpd="sng" algn="ctr">
+                      <a:solidFill>
+                        <a:schemeClr val="tx1"/>
+                      </a:solidFill>
+                      <a:prstDash val="solid"/>
+                      <a:round/>
+                      <a:headEnd type="none" w="med" len="med"/>
+                      <a:tailEnd type="none" w="med" len="med"/>
+                    </a:lnT>
+                    <a:lnB w="12700" cap="flat" cmpd="sng" algn="ctr">
+                      <a:solidFill>
+                        <a:schemeClr val="tx1"/>
+                      </a:solidFill>
+                      <a:prstDash val="solid"/>
+                      <a:round/>
+                      <a:headEnd type="none" w="med" len="med"/>
+                      <a:tailEnd type="none" w="med" len="med"/>
+                    </a:lnB>
+                    <a:noFill/>
+                  </a:tcPr>
+                </a:tc>
+                <a:tc>
+                  <a:txBody>
+                    <a:bodyPr/>
+                    <a:lstStyle/>
+                    <a:p>
+                      <a:r>
+                        <a:rPr lang="en-US" sz="2000" dirty="0" smtClean="0"/>
+                        <a:t>-self.bgcolor</a:t>
+                      </a:r>
+                    </a:p>
+                    <a:p>
+                      <a:r>
+                        <a:rPr lang="en-US" sz="2000" dirty="0" smtClean="0"/>
+                        <a:t>-self.pressed</a:t>
+                      </a:r>
+                    </a:p>
+                    <a:p>
+                      <a:r>
+                        <a:rPr lang="en-US" sz="2000" dirty="0" smtClean="0"/>
+                        <a:t>-self.buttons[num]</a:t>
+                      </a:r>
+                      <a:endParaRPr lang="ru-RU" sz="2000" dirty="0"/>
+                    </a:p>
+                  </a:txBody>
+                  <a:tcPr>
+                    <a:lnL w="12700" cap="flat" cmpd="sng" algn="ctr">
+                      <a:solidFill>
+                        <a:schemeClr val="tx1"/>
+                      </a:solidFill>
+                      <a:prstDash val="solid"/>
+                      <a:round/>
+                      <a:headEnd type="none" w="med" len="med"/>
+                      <a:tailEnd type="none" w="med" len="med"/>
+                    </a:lnL>
+                    <a:lnR w="12700" cap="flat" cmpd="sng" algn="ctr">
+                      <a:solidFill>
+                        <a:schemeClr val="tx1"/>
+                      </a:solidFill>
+                      <a:prstDash val="solid"/>
+                      <a:round/>
+                      <a:headEnd type="none" w="med" len="med"/>
+                      <a:tailEnd type="none" w="med" len="med"/>
+                    </a:lnR>
+                    <a:lnT w="12700" cap="flat" cmpd="sng" algn="ctr">
+                      <a:solidFill>
+                        <a:schemeClr val="tx1"/>
+                      </a:solidFill>
+                      <a:prstDash val="solid"/>
+                      <a:round/>
+                      <a:headEnd type="none" w="med" len="med"/>
+                      <a:tailEnd type="none" w="med" len="med"/>
+                    </a:lnT>
+                    <a:lnB w="12700" cap="flat" cmpd="sng" algn="ctr">
+                      <a:solidFill>
+                        <a:schemeClr val="tx1"/>
+                      </a:solidFill>
+                      <a:prstDash val="solid"/>
+                      <a:round/>
+                      <a:headEnd type="none" w="med" len="med"/>
+                      <a:tailEnd type="none" w="med" len="med"/>
+                    </a:lnB>
+                    <a:noFill/>
+                  </a:tcPr>
+                </a:tc>
+              </a:tr>
+              <a:tr h="1418298">
+                <a:tc>
+                  <a:txBody>
+                    <a:bodyPr/>
+                    <a:lstStyle/>
+                    <a:p>
+                      <a:r>
+                        <a:rPr lang="en-US" sz="2000" dirty="0" smtClean="0"/>
+                        <a:t>+add_element()</a:t>
+                      </a:r>
+                    </a:p>
+                    <a:p>
+                      <a:r>
+                        <a:rPr lang="en-US" sz="2000" dirty="0" smtClean="0"/>
+                        <a:t>+render()</a:t>
+                      </a:r>
+                    </a:p>
+                    <a:p>
+                      <a:r>
+                        <a:rPr lang="en-US" sz="2000" dirty="0" smtClean="0"/>
+                        <a:t>+update()</a:t>
+                      </a:r>
+                    </a:p>
+                    <a:p>
+                      <a:r>
+                        <a:rPr lang="en-US" sz="2000" dirty="0" smtClean="0"/>
+                        <a:t>+get_event()</a:t>
+                      </a:r>
+                    </a:p>
+                    <a:p>
+                      <a:endParaRPr lang="en-US" sz="2000" dirty="0" smtClean="0"/>
+                    </a:p>
+                  </a:txBody>
+                  <a:tcPr>
+                    <a:lnL w="12700" cap="flat" cmpd="sng" algn="ctr">
+                      <a:solidFill>
+                        <a:schemeClr val="tx1"/>
+                      </a:solidFill>
+                      <a:prstDash val="solid"/>
+                      <a:round/>
+                      <a:headEnd type="none" w="med" len="med"/>
+                      <a:tailEnd type="none" w="med" len="med"/>
+                    </a:lnL>
+                    <a:lnR w="12700" cap="flat" cmpd="sng" algn="ctr">
+                      <a:solidFill>
+                        <a:schemeClr val="tx1"/>
+                      </a:solidFill>
+                      <a:prstDash val="solid"/>
+                      <a:round/>
+                      <a:headEnd type="none" w="med" len="med"/>
+                      <a:tailEnd type="none" w="med" len="med"/>
+                    </a:lnR>
+                    <a:lnT w="12700" cap="flat" cmpd="sng" algn="ctr">
+                      <a:solidFill>
+                        <a:schemeClr val="tx1"/>
+                      </a:solidFill>
+                      <a:prstDash val="solid"/>
+                      <a:round/>
+                      <a:headEnd type="none" w="med" len="med"/>
+                      <a:tailEnd type="none" w="med" len="med"/>
+                    </a:lnT>
+                    <a:lnB w="12700" cap="flat" cmpd="sng" algn="ctr">
+                      <a:solidFill>
+                        <a:schemeClr val="tx1"/>
+                      </a:solidFill>
+                      <a:prstDash val="solid"/>
+                      <a:round/>
+                      <a:headEnd type="none" w="med" len="med"/>
+                      <a:tailEnd type="none" w="med" len="med"/>
+                    </a:lnB>
+                    <a:noFill/>
+                  </a:tcPr>
+                </a:tc>
+                <a:tc>
+                  <a:txBody>
+                    <a:bodyPr/>
+                    <a:lstStyle/>
+                    <a:p>
+                      <a:r>
+                        <a:rPr lang="en-US" sz="2000" dirty="0" smtClean="0"/>
+                        <a:t>+render()</a:t>
+                      </a:r>
+                      <a:endParaRPr lang="ru-RU" sz="2000" dirty="0"/>
+                    </a:p>
+                  </a:txBody>
+                  <a:tcPr>
+                    <a:lnL w="12700" cap="flat" cmpd="sng" algn="ctr">
+                      <a:solidFill>
+                        <a:schemeClr val="tx1"/>
+                      </a:solidFill>
+                      <a:prstDash val="solid"/>
+                      <a:round/>
+                      <a:headEnd type="none" w="med" len="med"/>
+                      <a:tailEnd type="none" w="med" len="med"/>
+                    </a:lnL>
+                    <a:lnR w="12700" cap="flat" cmpd="sng" algn="ctr">
+                      <a:solidFill>
+                        <a:schemeClr val="tx1"/>
+                      </a:solidFill>
+                      <a:prstDash val="solid"/>
+                      <a:round/>
+                      <a:headEnd type="none" w="med" len="med"/>
+                      <a:tailEnd type="none" w="med" len="med"/>
+                    </a:lnR>
+                    <a:lnT w="12700" cap="flat" cmpd="sng" algn="ctr">
+                      <a:solidFill>
+                        <a:schemeClr val="tx1"/>
+                      </a:solidFill>
+                      <a:prstDash val="solid"/>
+                      <a:round/>
+                      <a:headEnd type="none" w="med" len="med"/>
+                      <a:tailEnd type="none" w="med" len="med"/>
+                    </a:lnT>
+                    <a:lnB w="12700" cap="flat" cmpd="sng" algn="ctr">
+                      <a:solidFill>
+                        <a:schemeClr val="tx1"/>
+                      </a:solidFill>
+                      <a:prstDash val="solid"/>
+                      <a:round/>
+                      <a:headEnd type="none" w="med" len="med"/>
+                      <a:tailEnd type="none" w="med" len="med"/>
+                    </a:lnB>
+                    <a:noFill/>
+                  </a:tcPr>
+                </a:tc>
+                <a:tc>
+                  <a:txBody>
+                    <a:bodyPr/>
+                    <a:lstStyle/>
+                    <a:p>
+                      <a:r>
+                        <a:rPr lang="en-US" sz="2000" dirty="0" smtClean="0"/>
+                        <a:t>+render()</a:t>
+                      </a:r>
+                    </a:p>
+                    <a:p>
+                      <a:r>
+                        <a:rPr lang="en-US" sz="2000" dirty="0" smtClean="0"/>
+                        <a:t>+get_event()</a:t>
+                      </a:r>
+                    </a:p>
+                    <a:p>
+                      <a:endParaRPr lang="ru-RU" sz="2000" dirty="0"/>
+                    </a:p>
+                  </a:txBody>
+                  <a:tcPr>
+                    <a:lnL w="12700" cap="flat" cmpd="sng" algn="ctr">
+                      <a:solidFill>
+                        <a:schemeClr val="tx1"/>
+                      </a:solidFill>
+                      <a:prstDash val="solid"/>
+                      <a:round/>
+                      <a:headEnd type="none" w="med" len="med"/>
+                      <a:tailEnd type="none" w="med" len="med"/>
+                    </a:lnL>
+                    <a:lnR w="12700" cap="flat" cmpd="sng" algn="ctr">
+                      <a:solidFill>
+                        <a:schemeClr val="tx1"/>
+                      </a:solidFill>
+                      <a:prstDash val="solid"/>
+                      <a:round/>
+                      <a:headEnd type="none" w="med" len="med"/>
+                      <a:tailEnd type="none" w="med" len="med"/>
+                    </a:lnR>
+                    <a:lnT w="12700" cap="flat" cmpd="sng" algn="ctr">
+                      <a:solidFill>
+                        <a:schemeClr val="tx1"/>
+                      </a:solidFill>
+                      <a:prstDash val="solid"/>
+                      <a:round/>
+                      <a:headEnd type="none" w="med" len="med"/>
+                      <a:tailEnd type="none" w="med" len="med"/>
+                    </a:lnT>
+                    <a:lnB w="12700" cap="flat" cmpd="sng" algn="ctr">
+                      <a:solidFill>
+                        <a:schemeClr val="tx1"/>
+                      </a:solidFill>
+                      <a:prstDash val="solid"/>
+                      <a:round/>
+                      <a:headEnd type="none" w="med" len="med"/>
+                      <a:tailEnd type="none" w="med" len="med"/>
+                    </a:lnB>
+                    <a:noFill/>
+                  </a:tcPr>
+                </a:tc>
+              </a:tr>
+            </a:tbl>
+          </a:graphicData>
+        </a:graphic>
+      </p:graphicFrame>
+    </p:spTree>
+  </p:cSld>
+  <p:clrMapOvr>
+    <a:masterClrMapping/>
+  </p:clrMapOvr>
+  <p:timing>
+    <p:tnLst>
+      <p:par>
+        <p:cTn id="1" dur="indefinite" restart="never" nodeType="tmRoot"/>
+      </p:par>
+    </p:tnLst>
+  </p:timing>
+</p:sld>
+</file>
+
+<file path=ppt/slides/slide5.xml><?xml version="1.0" encoding="utf-8"?>
+<p:sld xmlns:a="http://schemas.openxmlformats.org/drawingml/2006/main" xmlns:r="http://schemas.openxmlformats.org/officeDocument/2006/relationships" xmlns:p="http://schemas.openxmlformats.org/presentationml/2006/main">
+  <p:cSld>
+    <p:spTree>
+      <p:nvGrpSpPr>
+        <p:cNvPr id="1" name=""/>
+        <p:cNvGrpSpPr/>
+        <p:nvPr/>
+      </p:nvGrpSpPr>
+      <p:grpSpPr>
+        <a:xfrm>
+          <a:off x="0" y="0"/>
+          <a:ext cx="0" cy="0"/>
+          <a:chOff x="0" y="0"/>
+          <a:chExt cx="0" cy="0"/>
+        </a:xfrm>
+      </p:grpSpPr>
+      <p:graphicFrame>
+        <p:nvGraphicFramePr>
+          <p:cNvPr id="4" name="Таблица 3"/>
+          <p:cNvGraphicFramePr>
+            <a:graphicFrameLocks noGrp="1"/>
+          </p:cNvGraphicFramePr>
+          <p:nvPr/>
+        </p:nvGraphicFramePr>
+        <p:xfrm>
+          <a:off x="642910" y="1500174"/>
+          <a:ext cx="7786742" cy="3791922"/>
+        </p:xfrm>
+        <a:graphic>
+          <a:graphicData uri="http://schemas.openxmlformats.org/drawingml/2006/table">
+            <a:tbl>
+              <a:tblPr firstRow="1" bandRow="1">
+                <a:tableStyleId>{5C22544A-7EE6-4342-B048-85BDC9FD1C3A}</a:tableStyleId>
+              </a:tblPr>
+              <a:tblGrid>
+                <a:gridCol w="2571768"/>
+                <a:gridCol w="2659152"/>
+                <a:gridCol w="2555822"/>
+              </a:tblGrid>
+              <a:tr h="1110585">
+                <a:tc>
+                  <a:txBody>
+                    <a:bodyPr/>
+                    <a:lstStyle/>
+                    <a:p>
+                      <a:r>
+                        <a:rPr lang="en-US" sz="2000" dirty="0" smtClean="0">
+                          <a:solidFill>
+                            <a:schemeClr val="tx1"/>
+                          </a:solidFill>
+                        </a:rPr>
+                        <a:t>class AnimatedSprite</a:t>
+                      </a:r>
+                    </a:p>
+                    <a:p>
+                      <a:r>
+                        <a:rPr lang="en-US" sz="2000" dirty="0" smtClean="0">
+                          <a:solidFill>
+                            <a:schemeClr val="tx1"/>
+                          </a:solidFill>
+                        </a:rPr>
+                        <a:t>(pygame.sprite.Sprite)</a:t>
+                      </a:r>
+                      <a:endParaRPr lang="ru-RU" sz="2000" dirty="0">
+                        <a:solidFill>
+                          <a:schemeClr val="tx1"/>
+                        </a:solidFill>
+                      </a:endParaRPr>
+                    </a:p>
+                  </a:txBody>
+                  <a:tcPr>
+                    <a:lnL w="12700" cap="flat" cmpd="sng" algn="ctr">
+                      <a:solidFill>
+                        <a:schemeClr val="tx1"/>
+                      </a:solidFill>
+                      <a:prstDash val="solid"/>
+                      <a:round/>
+                      <a:headEnd type="none" w="med" len="med"/>
+                      <a:tailEnd type="none" w="med" len="med"/>
+                    </a:lnL>
+                    <a:lnR w="12700" cap="flat" cmpd="sng" algn="ctr">
+                      <a:solidFill>
+                        <a:schemeClr val="tx1"/>
+                      </a:solidFill>
+                      <a:prstDash val="solid"/>
+                      <a:round/>
+                      <a:headEnd type="none" w="med" len="med"/>
+                      <a:tailEnd type="none" w="med" len="med"/>
+                    </a:lnR>
+                    <a:lnT w="12700" cap="flat" cmpd="sng" algn="ctr">
+                      <a:solidFill>
+                        <a:schemeClr val="tx1"/>
+                      </a:solidFill>
+                      <a:prstDash val="solid"/>
+                      <a:round/>
+                      <a:headEnd type="none" w="med" len="med"/>
+                      <a:tailEnd type="none" w="med" len="med"/>
+                    </a:lnT>
+                    <a:lnB w="12700" cap="flat" cmpd="sng" algn="ctr">
+                      <a:solidFill>
+                        <a:schemeClr val="tx1"/>
+                      </a:solidFill>
+                      <a:prstDash val="solid"/>
+                      <a:round/>
+                      <a:headEnd type="none" w="med" len="med"/>
+                      <a:tailEnd type="none" w="med" len="med"/>
+                    </a:lnB>
+                    <a:noFill/>
+                  </a:tcPr>
+                </a:tc>
+                <a:tc>
+                  <a:txBody>
+                    <a:bodyPr/>
+                    <a:lstStyle/>
+                    <a:p>
+                      <a:r>
+                        <a:rPr lang="en-US" sz="2000" dirty="0" smtClean="0">
+                          <a:solidFill>
+                            <a:schemeClr val="tx1"/>
+                          </a:solidFill>
+                        </a:rPr>
+                        <a:t>class Flag</a:t>
+                      </a:r>
+                    </a:p>
+                    <a:p>
+                      <a:r>
+                        <a:rPr lang="en-US" sz="2000" dirty="0" smtClean="0">
+                          <a:solidFill>
+                            <a:schemeClr val="tx1"/>
+                          </a:solidFill>
+                        </a:rPr>
+                        <a:t>(pygame.sprite.Sprite) </a:t>
+                      </a:r>
+                      <a:endParaRPr lang="ru-RU" sz="2000" dirty="0">
+                        <a:solidFill>
+                          <a:schemeClr val="tx1"/>
+                        </a:solidFill>
+                      </a:endParaRPr>
+                    </a:p>
+                  </a:txBody>
+                  <a:tcPr>
+                    <a:lnL w="12700" cap="flat" cmpd="sng" algn="ctr">
+                      <a:solidFill>
+                        <a:schemeClr val="tx1"/>
+                      </a:solidFill>
+                      <a:prstDash val="solid"/>
+                      <a:round/>
+                      <a:headEnd type="none" w="med" len="med"/>
+                      <a:tailEnd type="none" w="med" len="med"/>
+                    </a:lnL>
+                    <a:lnR w="12700" cap="flat" cmpd="sng" algn="ctr">
+                      <a:solidFill>
+                        <a:schemeClr val="tx1"/>
+                      </a:solidFill>
+                      <a:prstDash val="solid"/>
+                      <a:round/>
+                      <a:headEnd type="none" w="med" len="med"/>
+                      <a:tailEnd type="none" w="med" len="med"/>
+                    </a:lnR>
+                    <a:lnT w="12700" cap="flat" cmpd="sng" algn="ctr">
+                      <a:solidFill>
+                        <a:schemeClr val="tx1"/>
+                      </a:solidFill>
+                      <a:prstDash val="solid"/>
+                      <a:round/>
+                      <a:headEnd type="none" w="med" len="med"/>
+                      <a:tailEnd type="none" w="med" len="med"/>
+                    </a:lnT>
+                    <a:lnB w="12700" cap="flat" cmpd="sng" algn="ctr">
+                      <a:solidFill>
+                        <a:schemeClr val="tx1"/>
+                      </a:solidFill>
+                      <a:prstDash val="solid"/>
+                      <a:round/>
+                      <a:headEnd type="none" w="med" len="med"/>
+                      <a:tailEnd type="none" w="med" len="med"/>
+                    </a:lnB>
+                    <a:noFill/>
+                  </a:tcPr>
+                </a:tc>
+                <a:tc>
+                  <a:txBody>
+                    <a:bodyPr/>
+                    <a:lstStyle/>
+                    <a:p>
+                      <a:r>
+                        <a:rPr lang="en-US" sz="2000" dirty="0" smtClean="0">
+                          <a:solidFill>
+                            <a:schemeClr val="tx1"/>
+                          </a:solidFill>
+                        </a:rPr>
+                        <a:t>class </a:t>
+                      </a:r>
+                      <a:r>
+                        <a:rPr lang="en-US" sz="2000" dirty="0" err="1" smtClean="0">
+                          <a:solidFill>
+                            <a:schemeClr val="tx1"/>
+                          </a:solidFill>
+                        </a:rPr>
+                        <a:t>ImageCell</a:t>
+                      </a:r>
+                      <a:endParaRPr lang="en-US" sz="2000" dirty="0" smtClean="0">
+                        <a:solidFill>
+                          <a:schemeClr val="tx1"/>
+                        </a:solidFill>
+                      </a:endParaRPr>
+                    </a:p>
+                    <a:p>
+                      <a:r>
+                        <a:rPr lang="en-US" sz="2000" dirty="0" smtClean="0">
+                          <a:solidFill>
+                            <a:schemeClr val="tx1"/>
+                          </a:solidFill>
+                        </a:rPr>
+                        <a:t>(</a:t>
+                      </a:r>
+                      <a:r>
+                        <a:rPr lang="en-US" sz="2000" dirty="0" err="1" smtClean="0">
+                          <a:solidFill>
+                            <a:schemeClr val="tx1"/>
+                          </a:solidFill>
+                        </a:rPr>
+                        <a:t>pygame.sprite.Sprite</a:t>
+                      </a:r>
+                      <a:r>
+                        <a:rPr lang="en-US" sz="2000" dirty="0" smtClean="0">
+                          <a:solidFill>
+                            <a:schemeClr val="tx1"/>
+                          </a:solidFill>
+                        </a:rPr>
+                        <a:t>)</a:t>
+                      </a:r>
+                      <a:endParaRPr lang="ru-RU" sz="2000" dirty="0">
+                        <a:solidFill>
+                          <a:schemeClr val="tx1"/>
+                        </a:solidFill>
+                      </a:endParaRPr>
+                    </a:p>
+                  </a:txBody>
+                  <a:tcPr>
+                    <a:lnL w="12700" cap="flat" cmpd="sng" algn="ctr">
+                      <a:solidFill>
+                        <a:schemeClr val="tx1"/>
+                      </a:solidFill>
+                      <a:prstDash val="solid"/>
+                      <a:round/>
+                      <a:headEnd type="none" w="med" len="med"/>
+                      <a:tailEnd type="none" w="med" len="med"/>
+                    </a:lnL>
+                    <a:lnR w="12700" cap="flat" cmpd="sng" algn="ctr">
+                      <a:solidFill>
+                        <a:schemeClr val="tx1"/>
+                      </a:solidFill>
+                      <a:prstDash val="solid"/>
+                      <a:round/>
+                      <a:headEnd type="none" w="med" len="med"/>
+                      <a:tailEnd type="none" w="med" len="med"/>
+                    </a:lnR>
+                    <a:lnT w="12700" cap="flat" cmpd="sng" algn="ctr">
+                      <a:solidFill>
+                        <a:schemeClr val="tx1"/>
+                      </a:solidFill>
+                      <a:prstDash val="solid"/>
+                      <a:round/>
+                      <a:headEnd type="none" w="med" len="med"/>
+                      <a:tailEnd type="none" w="med" len="med"/>
+                    </a:lnT>
+                    <a:lnB w="12700" cap="flat" cmpd="sng" algn="ctr">
+                      <a:solidFill>
+                        <a:schemeClr val="tx1"/>
+                      </a:solidFill>
+                      <a:prstDash val="solid"/>
+                      <a:round/>
+                      <a:headEnd type="none" w="med" len="med"/>
+                      <a:tailEnd type="none" w="med" len="med"/>
+                    </a:lnB>
+                    <a:noFill/>
+                  </a:tcPr>
+                </a:tc>
+              </a:tr>
+              <a:tr h="1675497">
+                <a:tc>
+                  <a:txBody>
+                    <a:bodyPr/>
+                    <a:lstStyle/>
+                    <a:p>
+                      <a:r>
+                        <a:rPr lang="en-US" sz="2000" dirty="0" smtClean="0"/>
+                        <a:t>-self.frames</a:t>
+                      </a:r>
+                      <a:endParaRPr lang="en-US" sz="2000" baseline="0" dirty="0" smtClean="0"/>
+                    </a:p>
+                    <a:p>
+                      <a:r>
+                        <a:rPr lang="en-US" sz="2000" baseline="0" dirty="0" smtClean="0"/>
+                        <a:t>-</a:t>
+                      </a:r>
+                      <a:r>
+                        <a:rPr lang="en-US" sz="2000" dirty="0" smtClean="0"/>
+                        <a:t>self.cut_sheet</a:t>
+                      </a:r>
+                    </a:p>
+                    <a:p>
+                      <a:r>
+                        <a:rPr lang="en-US" sz="2000" dirty="0" smtClean="0"/>
+                        <a:t>-self.current_frame</a:t>
+                      </a:r>
+                    </a:p>
+                    <a:p>
+                      <a:r>
+                        <a:rPr lang="en-US" sz="2000" dirty="0" smtClean="0"/>
+                        <a:t>-self.image</a:t>
+                      </a:r>
+                    </a:p>
+                    <a:p>
+                      <a:r>
+                        <a:rPr lang="en-US" sz="2000" dirty="0" smtClean="0"/>
+                        <a:t>-self.rect</a:t>
+                      </a:r>
+                      <a:endParaRPr lang="ru-RU" sz="2000" dirty="0"/>
+                    </a:p>
+                  </a:txBody>
+                  <a:tcPr>
+                    <a:lnL w="12700" cap="flat" cmpd="sng" algn="ctr">
+                      <a:solidFill>
+                        <a:schemeClr val="tx1"/>
+                      </a:solidFill>
+                      <a:prstDash val="solid"/>
+                      <a:round/>
+                      <a:headEnd type="none" w="med" len="med"/>
+                      <a:tailEnd type="none" w="med" len="med"/>
+                    </a:lnL>
+                    <a:lnR w="12700" cap="flat" cmpd="sng" algn="ctr">
+                      <a:solidFill>
+                        <a:schemeClr val="tx1"/>
+                      </a:solidFill>
+                      <a:prstDash val="solid"/>
+                      <a:round/>
+                      <a:headEnd type="none" w="med" len="med"/>
+                      <a:tailEnd type="none" w="med" len="med"/>
+                    </a:lnR>
+                    <a:lnT w="12700" cap="flat" cmpd="sng" algn="ctr">
+                      <a:solidFill>
+                        <a:schemeClr val="tx1"/>
+                      </a:solidFill>
+                      <a:prstDash val="solid"/>
+                      <a:round/>
+                      <a:headEnd type="none" w="med" len="med"/>
+                      <a:tailEnd type="none" w="med" len="med"/>
+                    </a:lnT>
+                    <a:lnB w="12700" cap="flat" cmpd="sng" algn="ctr">
+                      <a:solidFill>
+                        <a:schemeClr val="tx1"/>
+                      </a:solidFill>
+                      <a:prstDash val="solid"/>
+                      <a:round/>
+                      <a:headEnd type="none" w="med" len="med"/>
+                      <a:tailEnd type="none" w="med" len="med"/>
+                    </a:lnB>
+                    <a:noFill/>
+                  </a:tcPr>
+                </a:tc>
+                <a:tc>
+                  <a:txBody>
+                    <a:bodyPr/>
+                    <a:lstStyle/>
+                    <a:p>
+                      <a:r>
+                        <a:rPr lang="en-US" sz="2000" dirty="0" smtClean="0"/>
+                        <a:t>-self.image</a:t>
+                      </a:r>
+                    </a:p>
+                    <a:p>
+                      <a:r>
+                        <a:rPr lang="en-US" sz="2000" dirty="0" smtClean="0"/>
+                        <a:t>-self.rect</a:t>
+                      </a:r>
+                    </a:p>
+                    <a:p>
+                      <a:r>
+                        <a:rPr lang="en-US" sz="2000" dirty="0" smtClean="0"/>
+                        <a:t>-self.rect.x</a:t>
+                      </a:r>
+                    </a:p>
+                    <a:p>
+                      <a:r>
+                        <a:rPr lang="en-US" sz="2000" dirty="0" smtClean="0"/>
+                        <a:t>-self.rect.y</a:t>
+                      </a:r>
+                    </a:p>
+                  </a:txBody>
+                  <a:tcPr>
+                    <a:lnL w="12700" cap="flat" cmpd="sng" algn="ctr">
+                      <a:solidFill>
+                        <a:schemeClr val="tx1"/>
+                      </a:solidFill>
+                      <a:prstDash val="solid"/>
+                      <a:round/>
+                      <a:headEnd type="none" w="med" len="med"/>
+                      <a:tailEnd type="none" w="med" len="med"/>
+                    </a:lnL>
+                    <a:lnR w="12700" cap="flat" cmpd="sng" algn="ctr">
+                      <a:solidFill>
+                        <a:schemeClr val="tx1"/>
+                      </a:solidFill>
+                      <a:prstDash val="solid"/>
+                      <a:round/>
+                      <a:headEnd type="none" w="med" len="med"/>
+                      <a:tailEnd type="none" w="med" len="med"/>
+                    </a:lnR>
+                    <a:lnT w="12700" cap="flat" cmpd="sng" algn="ctr">
+                      <a:solidFill>
+                        <a:schemeClr val="tx1"/>
+                      </a:solidFill>
+                      <a:prstDash val="solid"/>
+                      <a:round/>
+                      <a:headEnd type="none" w="med" len="med"/>
+                      <a:tailEnd type="none" w="med" len="med"/>
+                    </a:lnT>
+                    <a:lnB w="12700" cap="flat" cmpd="sng" algn="ctr">
+                      <a:solidFill>
+                        <a:schemeClr val="tx1"/>
+                      </a:solidFill>
+                      <a:prstDash val="solid"/>
+                      <a:round/>
+                      <a:headEnd type="none" w="med" len="med"/>
+                      <a:tailEnd type="none" w="med" len="med"/>
+                    </a:lnB>
+                    <a:noFill/>
+                  </a:tcPr>
+                </a:tc>
+                <a:tc>
+                  <a:txBody>
+                    <a:bodyPr/>
+                    <a:lstStyle/>
+                    <a:p>
+                      <a:r>
+                        <a:rPr lang="en-US" sz="2000" dirty="0" smtClean="0"/>
+                        <a:t>-</a:t>
+                      </a:r>
+                      <a:r>
+                        <a:rPr lang="en-US" sz="2000" dirty="0" err="1" smtClean="0"/>
+                        <a:t>self.image</a:t>
+                      </a:r>
+                      <a:endParaRPr lang="en-US" sz="2000" dirty="0" smtClean="0"/>
+                    </a:p>
+                    <a:p>
+                      <a:r>
+                        <a:rPr lang="en-US" sz="2000" dirty="0" smtClean="0"/>
+                        <a:t>-</a:t>
+                      </a:r>
+                      <a:r>
+                        <a:rPr lang="en-US" sz="2000" dirty="0" err="1" smtClean="0"/>
+                        <a:t>self.rect</a:t>
+                      </a:r>
+                      <a:endParaRPr lang="en-US" sz="2000" dirty="0" smtClean="0"/>
+                    </a:p>
+                    <a:p>
+                      <a:r>
+                        <a:rPr lang="en-US" sz="2000" dirty="0" smtClean="0"/>
+                        <a:t>-</a:t>
+                      </a:r>
+                      <a:r>
+                        <a:rPr lang="en-US" sz="2000" dirty="0" err="1" smtClean="0"/>
+                        <a:t>self.rect.x</a:t>
+                      </a:r>
+                      <a:endParaRPr lang="en-US" sz="2000" dirty="0" smtClean="0"/>
+                    </a:p>
+                    <a:p>
+                      <a:r>
+                        <a:rPr lang="en-US" sz="2000" dirty="0" smtClean="0"/>
+                        <a:t>-</a:t>
+                      </a:r>
+                      <a:r>
+                        <a:rPr lang="en-US" sz="2000" dirty="0" err="1" smtClean="0"/>
+                        <a:t>self.rect.y</a:t>
+                      </a:r>
+                      <a:endParaRPr lang="en-US" sz="2000" dirty="0" smtClean="0"/>
+                    </a:p>
+                    <a:p>
+                      <a:endParaRPr lang="en-US" sz="2000" dirty="0" smtClean="0"/>
+                    </a:p>
+                  </a:txBody>
+                  <a:tcPr>
+                    <a:lnL w="12700" cap="flat" cmpd="sng" algn="ctr">
+                      <a:solidFill>
+                        <a:schemeClr val="tx1"/>
+                      </a:solidFill>
+                      <a:prstDash val="solid"/>
+                      <a:round/>
+                      <a:headEnd type="none" w="med" len="med"/>
+                      <a:tailEnd type="none" w="med" len="med"/>
+                    </a:lnL>
+                    <a:lnR w="12700" cap="flat" cmpd="sng" algn="ctr">
+                      <a:solidFill>
+                        <a:schemeClr val="tx1"/>
+                      </a:solidFill>
+                      <a:prstDash val="solid"/>
+                      <a:round/>
+                      <a:headEnd type="none" w="med" len="med"/>
+                      <a:tailEnd type="none" w="med" len="med"/>
+                    </a:lnR>
+                    <a:lnT w="12700" cap="flat" cmpd="sng" algn="ctr">
+                      <a:solidFill>
+                        <a:schemeClr val="tx1"/>
+                      </a:solidFill>
+                      <a:prstDash val="solid"/>
+                      <a:round/>
+                      <a:headEnd type="none" w="med" len="med"/>
+                      <a:tailEnd type="none" w="med" len="med"/>
+                    </a:lnT>
+                    <a:lnB w="12700" cap="flat" cmpd="sng" algn="ctr">
+                      <a:solidFill>
+                        <a:schemeClr val="tx1"/>
+                      </a:solidFill>
+                      <a:prstDash val="solid"/>
+                      <a:round/>
+                      <a:headEnd type="none" w="med" len="med"/>
+                      <a:tailEnd type="none" w="med" len="med"/>
+                    </a:lnB>
+                    <a:noFill/>
+                  </a:tcPr>
+                </a:tc>
+              </a:tr>
+              <a:tr h="934301">
+                <a:tc>
+                  <a:txBody>
+                    <a:bodyPr/>
+                    <a:lstStyle/>
+                    <a:p>
+                      <a:r>
+                        <a:rPr lang="en-US" sz="2000" dirty="0" smtClean="0"/>
+                        <a:t>+cut_sheet()</a:t>
+                      </a:r>
+                    </a:p>
+                    <a:p>
+                      <a:r>
+                        <a:rPr lang="en-US" sz="2000" dirty="0" smtClean="0"/>
+                        <a:t>+update()</a:t>
+                      </a:r>
+                    </a:p>
+                    <a:p>
+                      <a:endParaRPr lang="en-US" sz="2000" dirty="0" smtClean="0"/>
+                    </a:p>
+                  </a:txBody>
+                  <a:tcPr>
+                    <a:lnL w="12700" cap="flat" cmpd="sng" algn="ctr">
+                      <a:solidFill>
+                        <a:schemeClr val="tx1"/>
+                      </a:solidFill>
+                      <a:prstDash val="solid"/>
+                      <a:round/>
+                      <a:headEnd type="none" w="med" len="med"/>
+                      <a:tailEnd type="none" w="med" len="med"/>
+                    </a:lnL>
+                    <a:lnR w="12700" cap="flat" cmpd="sng" algn="ctr">
+                      <a:solidFill>
+                        <a:schemeClr val="tx1"/>
+                      </a:solidFill>
+                      <a:prstDash val="solid"/>
+                      <a:round/>
+                      <a:headEnd type="none" w="med" len="med"/>
+                      <a:tailEnd type="none" w="med" len="med"/>
+                    </a:lnR>
+                    <a:lnT w="12700" cap="flat" cmpd="sng" algn="ctr">
+                      <a:solidFill>
+                        <a:schemeClr val="tx1"/>
+                      </a:solidFill>
+                      <a:prstDash val="solid"/>
+                      <a:round/>
+                      <a:headEnd type="none" w="med" len="med"/>
+                      <a:tailEnd type="none" w="med" len="med"/>
+                    </a:lnT>
+                    <a:lnB w="12700" cap="flat" cmpd="sng" algn="ctr">
+                      <a:solidFill>
+                        <a:schemeClr val="tx1"/>
+                      </a:solidFill>
+                      <a:prstDash val="solid"/>
+                      <a:round/>
+                      <a:headEnd type="none" w="med" len="med"/>
+                      <a:tailEnd type="none" w="med" len="med"/>
+                    </a:lnB>
+                    <a:noFill/>
+                  </a:tcPr>
+                </a:tc>
+                <a:tc>
+                  <a:txBody>
+                    <a:bodyPr/>
+                    <a:lstStyle/>
+                    <a:p>
+                      <a:endParaRPr lang="en-US" sz="2000" dirty="0" smtClean="0"/>
+                    </a:p>
+                  </a:txBody>
+                  <a:tcPr>
+                    <a:lnL w="12700" cap="flat" cmpd="sng" algn="ctr">
+                      <a:solidFill>
+                        <a:schemeClr val="tx1"/>
+                      </a:solidFill>
+                      <a:prstDash val="solid"/>
+                      <a:round/>
+                      <a:headEnd type="none" w="med" len="med"/>
+                      <a:tailEnd type="none" w="med" len="med"/>
+                    </a:lnL>
+                    <a:lnR w="12700" cap="flat" cmpd="sng" algn="ctr">
+                      <a:solidFill>
+                        <a:schemeClr val="tx1"/>
+                      </a:solidFill>
+                      <a:prstDash val="solid"/>
+                      <a:round/>
+                      <a:headEnd type="none" w="med" len="med"/>
+                      <a:tailEnd type="none" w="med" len="med"/>
+                    </a:lnR>
+                    <a:lnT w="12700" cap="flat" cmpd="sng" algn="ctr">
+                      <a:solidFill>
+                        <a:schemeClr val="tx1"/>
+                      </a:solidFill>
+                      <a:prstDash val="solid"/>
+                      <a:round/>
+                      <a:headEnd type="none" w="med" len="med"/>
+                      <a:tailEnd type="none" w="med" len="med"/>
+                    </a:lnT>
+                    <a:lnB w="12700" cap="flat" cmpd="sng" algn="ctr">
+                      <a:solidFill>
+                        <a:schemeClr val="tx1"/>
+                      </a:solidFill>
+                      <a:prstDash val="solid"/>
+                      <a:round/>
+                      <a:headEnd type="none" w="med" len="med"/>
+                      <a:tailEnd type="none" w="med" len="med"/>
+                    </a:lnB>
+                    <a:noFill/>
+                  </a:tcPr>
+                </a:tc>
+                <a:tc>
+                  <a:txBody>
+                    <a:bodyPr/>
+                    <a:lstStyle/>
+                    <a:p>
+                      <a:endParaRPr lang="en-US" sz="2000" dirty="0" smtClean="0"/>
+                    </a:p>
+                  </a:txBody>
+                  <a:tcPr>
+                    <a:lnL w="12700" cap="flat" cmpd="sng" algn="ctr">
+                      <a:solidFill>
+                        <a:schemeClr val="tx1"/>
+                      </a:solidFill>
+                      <a:prstDash val="solid"/>
+                      <a:round/>
+                      <a:headEnd type="none" w="med" len="med"/>
+                      <a:tailEnd type="none" w="med" len="med"/>
+                    </a:lnL>
+                    <a:lnR w="12700" cap="flat" cmpd="sng" algn="ctr">
+                      <a:solidFill>
+                        <a:schemeClr val="tx1"/>
+                      </a:solidFill>
+                      <a:prstDash val="solid"/>
+                      <a:round/>
+                      <a:headEnd type="none" w="med" len="med"/>
+                      <a:tailEnd type="none" w="med" len="med"/>
+                    </a:lnR>
+                    <a:lnT w="12700" cap="flat" cmpd="sng" algn="ctr">
+                      <a:solidFill>
+                        <a:schemeClr val="tx1"/>
+                      </a:solidFill>
+                      <a:prstDash val="solid"/>
+                      <a:round/>
+                      <a:headEnd type="none" w="med" len="med"/>
+                      <a:tailEnd type="none" w="med" len="med"/>
+                    </a:lnT>
+                    <a:lnB w="12700" cap="flat" cmpd="sng" algn="ctr">
+                      <a:solidFill>
+                        <a:schemeClr val="tx1"/>
+                      </a:solidFill>
+                      <a:prstDash val="solid"/>
+                      <a:round/>
+                      <a:headEnd type="none" w="med" len="med"/>
+                      <a:tailEnd type="none" w="med" len="med"/>
+                    </a:lnB>
+                    <a:noFill/>
+                  </a:tcPr>
+                </a:tc>
+              </a:tr>
+            </a:tbl>
+          </a:graphicData>
+        </a:graphic>
+      </p:graphicFrame>
+    </p:spTree>
+  </p:cSld>
+  <p:clrMapOvr>
+    <a:masterClrMapping/>
+  </p:clrMapOvr>
+  <p:timing>
+    <p:tnLst>
+      <p:par>
+        <p:cTn id="1" dur="indefinite" restart="never" nodeType="tmRoot"/>
+      </p:par>
+    </p:tnLst>
+  </p:timing>
+</p:sld>
+</file>
+
+<file path=ppt/slides/slide6.xml><?xml version="1.0" encoding="utf-8"?>
+<p:sld xmlns:a="http://schemas.openxmlformats.org/drawingml/2006/main" xmlns:r="http://schemas.openxmlformats.org/officeDocument/2006/relationships" xmlns:p="http://schemas.openxmlformats.org/presentationml/2006/main">
+  <p:cSld>
+    <p:spTree>
+      <p:nvGrpSpPr>
+        <p:cNvPr id="1" name=""/>
+        <p:cNvGrpSpPr/>
+        <p:nvPr/>
+      </p:nvGrpSpPr>
+      <p:grpSpPr>
+        <a:xfrm>
+          <a:off x="0" y="0"/>
+          <a:ext cx="0" cy="0"/>
+          <a:chOff x="0" y="0"/>
+          <a:chExt cx="0" cy="0"/>
+        </a:xfrm>
+      </p:grpSpPr>
+      <p:sp>
+        <p:nvSpPr>
+          <p:cNvPr id="4" name="TextBox 3"/>
+          <p:cNvSpPr txBox="1"/>
+          <p:nvPr/>
+        </p:nvSpPr>
+        <p:spPr>
+          <a:xfrm>
+            <a:off x="0" y="928670"/>
+            <a:ext cx="2714612" cy="369332"/>
+          </a:xfrm>
+          <a:prstGeom prst="rect">
+            <a:avLst/>
+          </a:prstGeom>
+          <a:noFill/>
+        </p:spPr>
+        <p:txBody>
+          <a:bodyPr wrap="square" rtlCol="0">
+            <a:spAutoFit/>
+          </a:bodyPr>
+          <a:lstStyle/>
+          <a:p>
+            <a:pPr algn="ctr"/>
+            <a:r>
+              <a:rPr lang="en-US" b="1" dirty="0" err="1" smtClean="0"/>
+              <a:t>start_screen</a:t>
+            </a:r>
+            <a:r>
+              <a:rPr lang="en-US" b="1" dirty="0" smtClean="0"/>
+              <a:t>()</a:t>
+            </a:r>
+            <a:endParaRPr lang="ru-RU" b="1" dirty="0"/>
+          </a:p>
+        </p:txBody>
+      </p:sp>
+      <p:sp>
+        <p:nvSpPr>
+          <p:cNvPr id="6" name="Прямоугольник 5"/>
+          <p:cNvSpPr/>
+          <p:nvPr/>
+        </p:nvSpPr>
+        <p:spPr>
+          <a:xfrm>
+            <a:off x="214282" y="2643182"/>
+            <a:ext cx="2141227" cy="369332"/>
+          </a:xfrm>
+          <a:prstGeom prst="rect">
+            <a:avLst/>
+          </a:prstGeom>
+        </p:spPr>
+        <p:txBody>
+          <a:bodyPr wrap="none">
+            <a:spAutoFit/>
+          </a:bodyPr>
+          <a:lstStyle/>
+          <a:p>
+            <a:r>
+              <a:rPr lang="en-US" dirty="0" smtClean="0"/>
+              <a:t>class AnimatedSprite</a:t>
+            </a:r>
+          </a:p>
+        </p:txBody>
+      </p:sp>
+      <p:sp>
+        <p:nvSpPr>
+          <p:cNvPr id="9" name="TextBox 8"/>
+          <p:cNvSpPr txBox="1"/>
+          <p:nvPr/>
+        </p:nvSpPr>
+        <p:spPr>
+          <a:xfrm>
+            <a:off x="0" y="214290"/>
+            <a:ext cx="9144000" cy="369332"/>
+          </a:xfrm>
+          <a:prstGeom prst="rect">
+            <a:avLst/>
+          </a:prstGeom>
+          <a:noFill/>
+        </p:spPr>
+        <p:txBody>
+          <a:bodyPr wrap="square" rtlCol="0">
+            <a:spAutoFit/>
+          </a:bodyPr>
+          <a:lstStyle/>
+          <a:p>
+            <a:pPr algn="ctr"/>
+            <a:r>
+              <a:rPr lang="en-US" b="1" dirty="0" smtClean="0"/>
+              <a:t>terminate()</a:t>
+            </a:r>
+            <a:endParaRPr lang="ru-RU" b="1" dirty="0"/>
+          </a:p>
+        </p:txBody>
+      </p:sp>
+      <p:sp>
+        <p:nvSpPr>
+          <p:cNvPr id="12" name="Прямоугольник 11"/>
+          <p:cNvSpPr/>
+          <p:nvPr/>
+        </p:nvSpPr>
+        <p:spPr>
+          <a:xfrm>
+            <a:off x="6072198" y="3571876"/>
+            <a:ext cx="1029449" cy="369332"/>
+          </a:xfrm>
+          <a:prstGeom prst="rect">
+            <a:avLst/>
+          </a:prstGeom>
+        </p:spPr>
+        <p:txBody>
+          <a:bodyPr wrap="none">
+            <a:spAutoFit/>
+          </a:bodyPr>
+          <a:lstStyle/>
+          <a:p>
+            <a:r>
+              <a:rPr lang="en-US" dirty="0" smtClean="0"/>
+              <a:t>class GUI</a:t>
+            </a:r>
+            <a:endParaRPr lang="ru-RU" dirty="0"/>
+          </a:p>
+        </p:txBody>
+      </p:sp>
+      <p:sp>
+        <p:nvSpPr>
+          <p:cNvPr id="13" name="Прямоугольник 12"/>
+          <p:cNvSpPr/>
+          <p:nvPr/>
+        </p:nvSpPr>
+        <p:spPr>
+          <a:xfrm>
+            <a:off x="5857884" y="4500570"/>
+            <a:ext cx="1176925" cy="369332"/>
+          </a:xfrm>
+          <a:prstGeom prst="rect">
+            <a:avLst/>
+          </a:prstGeom>
+        </p:spPr>
+        <p:txBody>
+          <a:bodyPr wrap="none">
+            <a:spAutoFit/>
+          </a:bodyPr>
+          <a:lstStyle/>
+          <a:p>
+            <a:r>
+              <a:rPr lang="en-US" dirty="0" smtClean="0"/>
+              <a:t>class Label</a:t>
+            </a:r>
+            <a:endParaRPr lang="ru-RU" dirty="0"/>
+          </a:p>
+        </p:txBody>
+      </p:sp>
+      <p:sp>
+        <p:nvSpPr>
+          <p:cNvPr id="14" name="Прямоугольник 13"/>
+          <p:cNvSpPr/>
+          <p:nvPr/>
+        </p:nvSpPr>
+        <p:spPr>
+          <a:xfrm>
+            <a:off x="1857356" y="3571876"/>
+            <a:ext cx="1956882" cy="369332"/>
+          </a:xfrm>
+          <a:prstGeom prst="rect">
+            <a:avLst/>
+          </a:prstGeom>
+        </p:spPr>
+        <p:txBody>
+          <a:bodyPr wrap="none">
+            <a:spAutoFit/>
+          </a:bodyPr>
+          <a:lstStyle/>
+          <a:p>
+            <a:r>
+              <a:rPr lang="en-US" dirty="0" smtClean="0"/>
+              <a:t>class Button(Label)</a:t>
+            </a:r>
+            <a:endParaRPr lang="ru-RU" dirty="0"/>
+          </a:p>
+        </p:txBody>
+      </p:sp>
+      <p:sp>
+        <p:nvSpPr>
+          <p:cNvPr id="15" name="TextBox 14"/>
+          <p:cNvSpPr txBox="1"/>
+          <p:nvPr/>
+        </p:nvSpPr>
+        <p:spPr>
+          <a:xfrm>
+            <a:off x="2714612" y="928670"/>
+            <a:ext cx="1000132" cy="369332"/>
+          </a:xfrm>
+          <a:prstGeom prst="rect">
+            <a:avLst/>
+          </a:prstGeom>
+          <a:noFill/>
+        </p:spPr>
+        <p:txBody>
+          <a:bodyPr wrap="square" rtlCol="0">
+            <a:spAutoFit/>
+          </a:bodyPr>
+          <a:lstStyle/>
+          <a:p>
+            <a:pPr algn="ctr"/>
+            <a:r>
+              <a:rPr lang="en-US" b="1" dirty="0" smtClean="0"/>
+              <a:t>main()</a:t>
+            </a:r>
+            <a:endParaRPr lang="ru-RU" b="1" dirty="0"/>
+          </a:p>
+        </p:txBody>
+      </p:sp>
+      <p:cxnSp>
+        <p:nvCxnSpPr>
+          <p:cNvPr id="27" name="Прямая соединительная линия 26"/>
+          <p:cNvCxnSpPr>
+            <a:stCxn id="52" idx="0"/>
+          </p:cNvCxnSpPr>
+          <p:nvPr/>
+        </p:nvCxnSpPr>
+        <p:spPr>
+          <a:xfrm rot="5400000" flipH="1" flipV="1">
+            <a:off x="2607455" y="-678685"/>
+            <a:ext cx="428628" cy="2928958"/>
+          </a:xfrm>
+          <a:prstGeom prst="line">
+            <a:avLst/>
+          </a:prstGeom>
+          <a:ln>
+            <a:solidFill>
+              <a:schemeClr val="tx1"/>
+            </a:solidFill>
+          </a:ln>
+        </p:spPr>
+        <p:style>
+          <a:lnRef idx="1">
+            <a:schemeClr val="accent1"/>
+          </a:lnRef>
+          <a:fillRef idx="0">
+            <a:schemeClr val="accent1"/>
+          </a:fillRef>
+          <a:effectRef idx="0">
+            <a:schemeClr val="accent1"/>
+          </a:effectRef>
+          <a:fontRef idx="minor">
+            <a:schemeClr val="tx1"/>
+          </a:fontRef>
+        </p:style>
+      </p:cxnSp>
+      <p:cxnSp>
+        <p:nvCxnSpPr>
+          <p:cNvPr id="29" name="Прямая соединительная линия 28"/>
+          <p:cNvCxnSpPr/>
+          <p:nvPr/>
+        </p:nvCxnSpPr>
+        <p:spPr>
+          <a:xfrm>
+            <a:off x="2071670" y="1142984"/>
+            <a:ext cx="642942" cy="1588"/>
+          </a:xfrm>
+          <a:prstGeom prst="line">
+            <a:avLst/>
+          </a:prstGeom>
+          <a:ln>
+            <a:solidFill>
+              <a:schemeClr val="tx1"/>
+            </a:solidFill>
+          </a:ln>
+        </p:spPr>
+        <p:style>
+          <a:lnRef idx="1">
+            <a:schemeClr val="accent1"/>
+          </a:lnRef>
+          <a:fillRef idx="0">
+            <a:schemeClr val="accent1"/>
+          </a:fillRef>
+          <a:effectRef idx="0">
+            <a:schemeClr val="accent1"/>
+          </a:effectRef>
+          <a:fontRef idx="minor">
+            <a:schemeClr val="tx1"/>
+          </a:fontRef>
+        </p:style>
+      </p:cxnSp>
+      <p:sp>
+        <p:nvSpPr>
+          <p:cNvPr id="30" name="TextBox 29"/>
+          <p:cNvSpPr txBox="1"/>
+          <p:nvPr/>
+        </p:nvSpPr>
+        <p:spPr>
+          <a:xfrm>
+            <a:off x="4714876" y="928670"/>
+            <a:ext cx="1285884" cy="369332"/>
+          </a:xfrm>
+          <a:prstGeom prst="rect">
+            <a:avLst/>
+          </a:prstGeom>
+          <a:noFill/>
+        </p:spPr>
+        <p:txBody>
+          <a:bodyPr wrap="square" rtlCol="0">
+            <a:spAutoFit/>
+          </a:bodyPr>
+          <a:lstStyle/>
+          <a:p>
+            <a:r>
+              <a:rPr lang="en-US" b="1" dirty="0" smtClean="0"/>
+              <a:t>game(</a:t>
+            </a:r>
+            <a:r>
+              <a:rPr lang="en-US" b="1" dirty="0" err="1" smtClean="0"/>
+              <a:t>typ</a:t>
+            </a:r>
+            <a:r>
+              <a:rPr lang="en-US" b="1" dirty="0" smtClean="0"/>
+              <a:t>)</a:t>
+            </a:r>
+            <a:endParaRPr lang="ru-RU" b="1" dirty="0"/>
+          </a:p>
+        </p:txBody>
+      </p:sp>
+      <p:cxnSp>
+        <p:nvCxnSpPr>
+          <p:cNvPr id="31" name="Прямая соединительная линия 30"/>
+          <p:cNvCxnSpPr/>
+          <p:nvPr/>
+        </p:nvCxnSpPr>
+        <p:spPr>
+          <a:xfrm>
+            <a:off x="3643306" y="1142984"/>
+            <a:ext cx="1071570" cy="1588"/>
+          </a:xfrm>
+          <a:prstGeom prst="line">
+            <a:avLst/>
+          </a:prstGeom>
+          <a:ln>
+            <a:solidFill>
+              <a:schemeClr val="tx1"/>
+            </a:solidFill>
+          </a:ln>
+        </p:spPr>
+        <p:style>
+          <a:lnRef idx="1">
+            <a:schemeClr val="accent1"/>
+          </a:lnRef>
+          <a:fillRef idx="0">
+            <a:schemeClr val="accent1"/>
+          </a:fillRef>
+          <a:effectRef idx="0">
+            <a:schemeClr val="accent1"/>
+          </a:effectRef>
+          <a:fontRef idx="minor">
+            <a:schemeClr val="tx1"/>
+          </a:fontRef>
+        </p:style>
+      </p:cxnSp>
+      <p:sp>
+        <p:nvSpPr>
+          <p:cNvPr id="32" name="TextBox 31"/>
+          <p:cNvSpPr txBox="1"/>
+          <p:nvPr/>
+        </p:nvSpPr>
+        <p:spPr>
+          <a:xfrm>
+            <a:off x="7143768" y="928670"/>
+            <a:ext cx="1428760" cy="369332"/>
+          </a:xfrm>
+          <a:prstGeom prst="rect">
+            <a:avLst/>
+          </a:prstGeom>
+          <a:noFill/>
+        </p:spPr>
+        <p:txBody>
+          <a:bodyPr wrap="square" rtlCol="0">
+            <a:spAutoFit/>
+          </a:bodyPr>
+          <a:lstStyle/>
+          <a:p>
+            <a:r>
+              <a:rPr lang="en-US" b="1" dirty="0" err="1" smtClean="0"/>
+              <a:t>end_screen</a:t>
+            </a:r>
+            <a:r>
+              <a:rPr lang="en-US" b="1" dirty="0" smtClean="0"/>
+              <a:t>()</a:t>
+            </a:r>
+            <a:endParaRPr lang="ru-RU" b="1" dirty="0"/>
+          </a:p>
+        </p:txBody>
+      </p:sp>
+      <p:cxnSp>
+        <p:nvCxnSpPr>
+          <p:cNvPr id="35" name="Прямая соединительная линия 34"/>
+          <p:cNvCxnSpPr>
+            <a:stCxn id="50" idx="3"/>
+            <a:endCxn id="49" idx="1"/>
+          </p:cNvCxnSpPr>
+          <p:nvPr/>
+        </p:nvCxnSpPr>
+        <p:spPr>
+          <a:xfrm>
+            <a:off x="5857884" y="1142984"/>
+            <a:ext cx="1285884" cy="1588"/>
+          </a:xfrm>
+          <a:prstGeom prst="line">
+            <a:avLst/>
+          </a:prstGeom>
+          <a:ln>
+            <a:solidFill>
+              <a:schemeClr val="tx1"/>
+            </a:solidFill>
+          </a:ln>
+        </p:spPr>
+        <p:style>
+          <a:lnRef idx="1">
+            <a:schemeClr val="accent1"/>
+          </a:lnRef>
+          <a:fillRef idx="0">
+            <a:schemeClr val="accent1"/>
+          </a:fillRef>
+          <a:effectRef idx="0">
+            <a:schemeClr val="accent1"/>
+          </a:effectRef>
+          <a:fontRef idx="minor">
+            <a:schemeClr val="tx1"/>
+          </a:fontRef>
+        </p:style>
+      </p:cxnSp>
+      <p:cxnSp>
+        <p:nvCxnSpPr>
+          <p:cNvPr id="36" name="Прямая соединительная линия 35"/>
+          <p:cNvCxnSpPr>
+            <a:endCxn id="49" idx="0"/>
+          </p:cNvCxnSpPr>
+          <p:nvPr/>
+        </p:nvCxnSpPr>
+        <p:spPr>
+          <a:xfrm>
+            <a:off x="5000628" y="571480"/>
+            <a:ext cx="2821801" cy="428628"/>
+          </a:xfrm>
+          <a:prstGeom prst="line">
+            <a:avLst/>
+          </a:prstGeom>
+          <a:ln>
+            <a:solidFill>
+              <a:schemeClr val="tx1"/>
+            </a:solidFill>
+          </a:ln>
+        </p:spPr>
+        <p:style>
+          <a:lnRef idx="1">
+            <a:schemeClr val="accent1"/>
+          </a:lnRef>
+          <a:fillRef idx="0">
+            <a:schemeClr val="accent1"/>
+          </a:fillRef>
+          <a:effectRef idx="0">
+            <a:schemeClr val="accent1"/>
+          </a:effectRef>
+          <a:fontRef idx="minor">
+            <a:schemeClr val="tx1"/>
+          </a:fontRef>
+        </p:style>
+      </p:cxnSp>
+      <p:cxnSp>
+        <p:nvCxnSpPr>
+          <p:cNvPr id="40" name="Прямая соединительная линия 39"/>
+          <p:cNvCxnSpPr>
+            <a:stCxn id="51" idx="0"/>
+          </p:cNvCxnSpPr>
+          <p:nvPr/>
+        </p:nvCxnSpPr>
+        <p:spPr>
+          <a:xfrm rot="5400000" flipH="1" flipV="1">
+            <a:off x="3589727" y="160712"/>
+            <a:ext cx="428628" cy="1250165"/>
+          </a:xfrm>
+          <a:prstGeom prst="line">
+            <a:avLst/>
+          </a:prstGeom>
+          <a:ln>
+            <a:solidFill>
+              <a:schemeClr val="tx1"/>
+            </a:solidFill>
+          </a:ln>
+        </p:spPr>
+        <p:style>
+          <a:lnRef idx="1">
+            <a:schemeClr val="accent1"/>
+          </a:lnRef>
+          <a:fillRef idx="0">
+            <a:schemeClr val="accent1"/>
+          </a:fillRef>
+          <a:effectRef idx="0">
+            <a:schemeClr val="accent1"/>
+          </a:effectRef>
+          <a:fontRef idx="minor">
+            <a:schemeClr val="tx1"/>
+          </a:fontRef>
+        </p:style>
+      </p:cxnSp>
+      <p:cxnSp>
+        <p:nvCxnSpPr>
+          <p:cNvPr id="43" name="Прямая соединительная линия 42"/>
+          <p:cNvCxnSpPr>
+            <a:endCxn id="50" idx="0"/>
+          </p:cNvCxnSpPr>
+          <p:nvPr/>
+        </p:nvCxnSpPr>
+        <p:spPr>
+          <a:xfrm>
+            <a:off x="4714876" y="571480"/>
+            <a:ext cx="571504" cy="428628"/>
+          </a:xfrm>
+          <a:prstGeom prst="line">
+            <a:avLst/>
+          </a:prstGeom>
+          <a:ln>
+            <a:solidFill>
+              <a:schemeClr val="tx1"/>
+            </a:solidFill>
+          </a:ln>
+        </p:spPr>
+        <p:style>
+          <a:lnRef idx="1">
+            <a:schemeClr val="accent1"/>
+          </a:lnRef>
+          <a:fillRef idx="0">
+            <a:schemeClr val="accent1"/>
+          </a:fillRef>
+          <a:effectRef idx="0">
+            <a:schemeClr val="accent1"/>
+          </a:effectRef>
+          <a:fontRef idx="minor">
+            <a:schemeClr val="tx1"/>
+          </a:fontRef>
+        </p:style>
+      </p:cxnSp>
+      <p:sp>
+        <p:nvSpPr>
+          <p:cNvPr id="48" name="Прямоугольник 47"/>
+          <p:cNvSpPr/>
+          <p:nvPr/>
+        </p:nvSpPr>
+        <p:spPr>
+          <a:xfrm>
+            <a:off x="4000496" y="285728"/>
+            <a:ext cx="1143008" cy="285752"/>
+          </a:xfrm>
+          <a:prstGeom prst="rect">
+            <a:avLst/>
+          </a:prstGeom>
+          <a:noFill/>
+          <a:ln w="3175">
+            <a:solidFill>
+              <a:schemeClr val="tx1"/>
+            </a:solidFill>
+          </a:ln>
+        </p:spPr>
+        <p:style>
+          <a:lnRef idx="2">
+            <a:schemeClr val="accent1">
+              <a:shade val="50000"/>
+            </a:schemeClr>
+          </a:lnRef>
+          <a:fillRef idx="1">
+            <a:schemeClr val="accent1"/>
+          </a:fillRef>
+          <a:effectRef idx="0">
+            <a:schemeClr val="accent1"/>
+          </a:effectRef>
+          <a:fontRef idx="minor">
+            <a:schemeClr val="lt1"/>
+          </a:fontRef>
+        </p:style>
+        <p:txBody>
+          <a:bodyPr rtlCol="0" anchor="ctr"/>
+          <a:lstStyle/>
+          <a:p>
+            <a:pPr algn="ctr"/>
+            <a:endParaRPr lang="ru-RU"/>
+          </a:p>
+        </p:txBody>
+      </p:sp>
+      <p:sp>
+        <p:nvSpPr>
+          <p:cNvPr id="49" name="Прямоугольник 48"/>
+          <p:cNvSpPr/>
+          <p:nvPr/>
+        </p:nvSpPr>
+        <p:spPr>
+          <a:xfrm>
+            <a:off x="7143768" y="1000108"/>
+            <a:ext cx="1357322" cy="285752"/>
+          </a:xfrm>
+          <a:prstGeom prst="rect">
+            <a:avLst/>
+          </a:prstGeom>
+          <a:noFill/>
+          <a:ln w="3175">
+            <a:solidFill>
+              <a:schemeClr val="tx1"/>
+            </a:solidFill>
+          </a:ln>
+        </p:spPr>
+        <p:style>
+          <a:lnRef idx="2">
+            <a:schemeClr val="accent1">
+              <a:shade val="50000"/>
+            </a:schemeClr>
+          </a:lnRef>
+          <a:fillRef idx="1">
+            <a:schemeClr val="accent1"/>
+          </a:fillRef>
+          <a:effectRef idx="0">
+            <a:schemeClr val="accent1"/>
+          </a:effectRef>
+          <a:fontRef idx="minor">
+            <a:schemeClr val="lt1"/>
+          </a:fontRef>
+        </p:style>
+        <p:txBody>
+          <a:bodyPr rtlCol="0" anchor="ctr"/>
+          <a:lstStyle/>
+          <a:p>
+            <a:pPr algn="ctr"/>
+            <a:endParaRPr lang="ru-RU"/>
+          </a:p>
+        </p:txBody>
+      </p:sp>
+      <p:sp>
+        <p:nvSpPr>
+          <p:cNvPr id="50" name="Прямоугольник 49"/>
+          <p:cNvSpPr/>
+          <p:nvPr/>
+        </p:nvSpPr>
+        <p:spPr>
+          <a:xfrm>
+            <a:off x="4714876" y="1000108"/>
+            <a:ext cx="1143008" cy="285752"/>
+          </a:xfrm>
+          <a:prstGeom prst="rect">
+            <a:avLst/>
+          </a:prstGeom>
+          <a:noFill/>
+          <a:ln w="3175">
+            <a:solidFill>
+              <a:schemeClr val="tx1"/>
+            </a:solidFill>
+          </a:ln>
+        </p:spPr>
+        <p:style>
+          <a:lnRef idx="2">
+            <a:schemeClr val="accent1">
+              <a:shade val="50000"/>
+            </a:schemeClr>
+          </a:lnRef>
+          <a:fillRef idx="1">
+            <a:schemeClr val="accent1"/>
+          </a:fillRef>
+          <a:effectRef idx="0">
+            <a:schemeClr val="accent1"/>
+          </a:effectRef>
+          <a:fontRef idx="minor">
+            <a:schemeClr val="lt1"/>
+          </a:fontRef>
+        </p:style>
+        <p:txBody>
+          <a:bodyPr rtlCol="0" anchor="ctr"/>
+          <a:lstStyle/>
+          <a:p>
+            <a:pPr algn="ctr"/>
+            <a:endParaRPr lang="ru-RU"/>
+          </a:p>
+        </p:txBody>
+      </p:sp>
+      <p:sp>
+        <p:nvSpPr>
+          <p:cNvPr id="51" name="Прямоугольник 50"/>
+          <p:cNvSpPr/>
+          <p:nvPr/>
+        </p:nvSpPr>
+        <p:spPr>
+          <a:xfrm>
+            <a:off x="2786050" y="1000108"/>
+            <a:ext cx="785818" cy="285752"/>
+          </a:xfrm>
+          <a:prstGeom prst="rect">
+            <a:avLst/>
+          </a:prstGeom>
+          <a:noFill/>
+          <a:ln w="3175">
+            <a:solidFill>
+              <a:schemeClr val="tx1"/>
+            </a:solidFill>
+          </a:ln>
+        </p:spPr>
+        <p:style>
+          <a:lnRef idx="2">
+            <a:schemeClr val="accent1">
+              <a:shade val="50000"/>
+            </a:schemeClr>
+          </a:lnRef>
+          <a:fillRef idx="1">
+            <a:schemeClr val="accent1"/>
+          </a:fillRef>
+          <a:effectRef idx="0">
+            <a:schemeClr val="accent1"/>
+          </a:effectRef>
+          <a:fontRef idx="minor">
+            <a:schemeClr val="lt1"/>
+          </a:fontRef>
+        </p:style>
+        <p:txBody>
+          <a:bodyPr rtlCol="0" anchor="ctr"/>
+          <a:lstStyle/>
+          <a:p>
+            <a:pPr algn="ctr"/>
+            <a:endParaRPr lang="ru-RU"/>
+          </a:p>
+        </p:txBody>
+      </p:sp>
+      <p:sp>
+        <p:nvSpPr>
+          <p:cNvPr id="52" name="Прямоугольник 51"/>
+          <p:cNvSpPr/>
+          <p:nvPr/>
+        </p:nvSpPr>
+        <p:spPr>
+          <a:xfrm>
+            <a:off x="642910" y="1000108"/>
+            <a:ext cx="1428760" cy="285752"/>
+          </a:xfrm>
+          <a:prstGeom prst="rect">
+            <a:avLst/>
+          </a:prstGeom>
+          <a:noFill/>
+          <a:ln w="3175">
+            <a:solidFill>
+              <a:schemeClr val="tx1"/>
+            </a:solidFill>
+          </a:ln>
+        </p:spPr>
+        <p:style>
+          <a:lnRef idx="2">
+            <a:schemeClr val="accent1">
+              <a:shade val="50000"/>
+            </a:schemeClr>
+          </a:lnRef>
+          <a:fillRef idx="1">
+            <a:schemeClr val="accent1"/>
+          </a:fillRef>
+          <a:effectRef idx="0">
+            <a:schemeClr val="accent1"/>
+          </a:effectRef>
+          <a:fontRef idx="minor">
+            <a:schemeClr val="lt1"/>
+          </a:fontRef>
+        </p:style>
+        <p:txBody>
+          <a:bodyPr rtlCol="0" anchor="ctr"/>
+          <a:lstStyle/>
+          <a:p>
+            <a:pPr algn="ctr"/>
+            <a:endParaRPr lang="ru-RU"/>
+          </a:p>
+        </p:txBody>
+      </p:sp>
+      <p:cxnSp>
+        <p:nvCxnSpPr>
+          <p:cNvPr id="54" name="Прямая соединительная линия 53"/>
+          <p:cNvCxnSpPr/>
+          <p:nvPr/>
+        </p:nvCxnSpPr>
+        <p:spPr>
+          <a:xfrm rot="5400000">
+            <a:off x="5322099" y="1607331"/>
+            <a:ext cx="2500330" cy="1857388"/>
+          </a:xfrm>
+          <a:prstGeom prst="line">
+            <a:avLst/>
+          </a:prstGeom>
+          <a:ln>
+            <a:solidFill>
+              <a:schemeClr val="tx1"/>
+            </a:solidFill>
+          </a:ln>
+        </p:spPr>
+        <p:style>
+          <a:lnRef idx="1">
+            <a:schemeClr val="accent1"/>
+          </a:lnRef>
+          <a:fillRef idx="0">
+            <a:schemeClr val="accent1"/>
+          </a:fillRef>
+          <a:effectRef idx="0">
+            <a:schemeClr val="accent1"/>
+          </a:effectRef>
+          <a:fontRef idx="minor">
+            <a:schemeClr val="tx1"/>
+          </a:fontRef>
+        </p:style>
+      </p:cxnSp>
+      <p:sp>
+        <p:nvSpPr>
+          <p:cNvPr id="56" name="Прямоугольник 55"/>
+          <p:cNvSpPr/>
+          <p:nvPr/>
+        </p:nvSpPr>
+        <p:spPr>
+          <a:xfrm>
+            <a:off x="4071934" y="1571612"/>
+            <a:ext cx="2571768" cy="357190"/>
+          </a:xfrm>
+          <a:prstGeom prst="rect">
+            <a:avLst/>
+          </a:prstGeom>
+          <a:noFill/>
+          <a:ln w="3175">
+            <a:solidFill>
+              <a:schemeClr val="tx1"/>
+            </a:solidFill>
+          </a:ln>
+        </p:spPr>
+        <p:style>
+          <a:lnRef idx="2">
+            <a:schemeClr val="accent1">
+              <a:shade val="50000"/>
+            </a:schemeClr>
+          </a:lnRef>
+          <a:fillRef idx="1">
+            <a:schemeClr val="accent1"/>
+          </a:fillRef>
+          <a:effectRef idx="0">
+            <a:schemeClr val="accent1"/>
+          </a:effectRef>
+          <a:fontRef idx="minor">
+            <a:schemeClr val="lt1"/>
+          </a:fontRef>
+        </p:style>
+        <p:txBody>
+          <a:bodyPr rtlCol="0" anchor="ctr"/>
+          <a:lstStyle/>
+          <a:p>
+            <a:pPr algn="ctr"/>
+            <a:endParaRPr lang="ru-RU"/>
+          </a:p>
+        </p:txBody>
+      </p:sp>
+      <p:sp>
+        <p:nvSpPr>
+          <p:cNvPr id="57" name="Прямоугольник 56"/>
+          <p:cNvSpPr/>
+          <p:nvPr/>
+        </p:nvSpPr>
+        <p:spPr>
+          <a:xfrm>
+            <a:off x="5857884" y="4500570"/>
+            <a:ext cx="1143008" cy="357190"/>
+          </a:xfrm>
+          <a:prstGeom prst="rect">
+            <a:avLst/>
+          </a:prstGeom>
+          <a:noFill/>
+          <a:ln w="3175">
+            <a:solidFill>
+              <a:schemeClr val="tx1"/>
+            </a:solidFill>
+          </a:ln>
+        </p:spPr>
+        <p:style>
+          <a:lnRef idx="2">
+            <a:schemeClr val="accent1">
+              <a:shade val="50000"/>
+            </a:schemeClr>
+          </a:lnRef>
+          <a:fillRef idx="1">
+            <a:schemeClr val="accent1"/>
+          </a:fillRef>
+          <a:effectRef idx="0">
+            <a:schemeClr val="accent1"/>
+          </a:effectRef>
+          <a:fontRef idx="minor">
+            <a:schemeClr val="lt1"/>
+          </a:fontRef>
+        </p:style>
+        <p:txBody>
+          <a:bodyPr rtlCol="0" anchor="ctr"/>
+          <a:lstStyle/>
+          <a:p>
+            <a:pPr algn="ctr"/>
+            <a:endParaRPr lang="ru-RU"/>
+          </a:p>
+        </p:txBody>
+      </p:sp>
+      <p:sp>
+        <p:nvSpPr>
+          <p:cNvPr id="58" name="Прямоугольник 57"/>
+          <p:cNvSpPr/>
+          <p:nvPr/>
+        </p:nvSpPr>
+        <p:spPr>
+          <a:xfrm>
+            <a:off x="6000760" y="3571876"/>
+            <a:ext cx="1143008" cy="357190"/>
+          </a:xfrm>
+          <a:prstGeom prst="rect">
+            <a:avLst/>
+          </a:prstGeom>
+          <a:noFill/>
+          <a:ln w="3175">
+            <a:solidFill>
+              <a:schemeClr val="tx1"/>
+            </a:solidFill>
+          </a:ln>
+        </p:spPr>
+        <p:style>
+          <a:lnRef idx="2">
+            <a:schemeClr val="accent1">
+              <a:shade val="50000"/>
+            </a:schemeClr>
+          </a:lnRef>
+          <a:fillRef idx="1">
+            <a:schemeClr val="accent1"/>
+          </a:fillRef>
+          <a:effectRef idx="0">
+            <a:schemeClr val="accent1"/>
+          </a:effectRef>
+          <a:fontRef idx="minor">
+            <a:schemeClr val="lt1"/>
+          </a:fontRef>
+        </p:style>
+        <p:txBody>
+          <a:bodyPr rtlCol="0" anchor="ctr"/>
+          <a:lstStyle/>
+          <a:p>
+            <a:pPr algn="ctr"/>
+            <a:endParaRPr lang="ru-RU"/>
+          </a:p>
+        </p:txBody>
+      </p:sp>
+      <p:sp>
+        <p:nvSpPr>
+          <p:cNvPr id="59" name="Прямоугольник 58"/>
+          <p:cNvSpPr/>
+          <p:nvPr/>
+        </p:nvSpPr>
+        <p:spPr>
+          <a:xfrm>
+            <a:off x="1928794" y="3571876"/>
+            <a:ext cx="1785950" cy="357190"/>
+          </a:xfrm>
+          <a:prstGeom prst="rect">
+            <a:avLst/>
+          </a:prstGeom>
+          <a:noFill/>
+          <a:ln w="3175">
+            <a:solidFill>
+              <a:schemeClr val="tx1"/>
+            </a:solidFill>
+          </a:ln>
+        </p:spPr>
+        <p:style>
+          <a:lnRef idx="2">
+            <a:schemeClr val="accent1">
+              <a:shade val="50000"/>
+            </a:schemeClr>
+          </a:lnRef>
+          <a:fillRef idx="1">
+            <a:schemeClr val="accent1"/>
+          </a:fillRef>
+          <a:effectRef idx="0">
+            <a:schemeClr val="accent1"/>
+          </a:effectRef>
+          <a:fontRef idx="minor">
+            <a:schemeClr val="lt1"/>
+          </a:fontRef>
+        </p:style>
+        <p:txBody>
+          <a:bodyPr rtlCol="0" anchor="ctr"/>
+          <a:lstStyle/>
+          <a:p>
+            <a:pPr algn="ctr"/>
+            <a:endParaRPr lang="ru-RU"/>
+          </a:p>
+        </p:txBody>
+      </p:sp>
+      <p:sp>
+        <p:nvSpPr>
+          <p:cNvPr id="60" name="Прямоугольник 59"/>
+          <p:cNvSpPr/>
+          <p:nvPr/>
+        </p:nvSpPr>
+        <p:spPr>
+          <a:xfrm>
+            <a:off x="214282" y="2643182"/>
+            <a:ext cx="2071670" cy="357190"/>
+          </a:xfrm>
+          <a:prstGeom prst="rect">
+            <a:avLst/>
+          </a:prstGeom>
+          <a:noFill/>
+          <a:ln w="3175">
+            <a:solidFill>
+              <a:schemeClr val="tx1"/>
+            </a:solidFill>
+          </a:ln>
+        </p:spPr>
+        <p:style>
+          <a:lnRef idx="2">
+            <a:schemeClr val="accent1">
+              <a:shade val="50000"/>
+            </a:schemeClr>
+          </a:lnRef>
+          <a:fillRef idx="1">
+            <a:schemeClr val="accent1"/>
+          </a:fillRef>
+          <a:effectRef idx="0">
+            <a:schemeClr val="accent1"/>
+          </a:effectRef>
+          <a:fontRef idx="minor">
+            <a:schemeClr val="lt1"/>
+          </a:fontRef>
+        </p:style>
+        <p:txBody>
+          <a:bodyPr rtlCol="0" anchor="ctr"/>
+          <a:lstStyle/>
+          <a:p>
+            <a:pPr algn="ctr"/>
+            <a:endParaRPr lang="ru-RU"/>
+          </a:p>
+        </p:txBody>
+      </p:sp>
+      <p:cxnSp>
+        <p:nvCxnSpPr>
+          <p:cNvPr id="61" name="Прямая соединительная линия 60"/>
+          <p:cNvCxnSpPr>
+            <a:stCxn id="51" idx="2"/>
+          </p:cNvCxnSpPr>
+          <p:nvPr/>
+        </p:nvCxnSpPr>
+        <p:spPr>
+          <a:xfrm rot="16200000" flipH="1">
+            <a:off x="2696751" y="1768067"/>
+            <a:ext cx="2500332" cy="1535917"/>
+          </a:xfrm>
+          <a:prstGeom prst="line">
+            <a:avLst/>
+          </a:prstGeom>
+          <a:ln>
+            <a:solidFill>
+              <a:schemeClr val="tx1"/>
+            </a:solidFill>
+          </a:ln>
+        </p:spPr>
+        <p:style>
+          <a:lnRef idx="1">
+            <a:schemeClr val="accent1"/>
+          </a:lnRef>
+          <a:fillRef idx="0">
+            <a:schemeClr val="accent1"/>
+          </a:fillRef>
+          <a:effectRef idx="0">
+            <a:schemeClr val="accent1"/>
+          </a:effectRef>
+          <a:fontRef idx="minor">
+            <a:schemeClr val="tx1"/>
+          </a:fontRef>
+        </p:style>
+      </p:cxnSp>
+      <p:cxnSp>
+        <p:nvCxnSpPr>
+          <p:cNvPr id="66" name="Прямая соединительная линия 65"/>
+          <p:cNvCxnSpPr/>
+          <p:nvPr/>
+        </p:nvCxnSpPr>
+        <p:spPr>
+          <a:xfrm rot="10800000" flipV="1">
+            <a:off x="4857752" y="1928802"/>
+            <a:ext cx="428628" cy="285752"/>
+          </a:xfrm>
+          <a:prstGeom prst="line">
+            <a:avLst/>
+          </a:prstGeom>
+          <a:ln>
+            <a:solidFill>
+              <a:schemeClr val="tx1"/>
+            </a:solidFill>
+          </a:ln>
+        </p:spPr>
+        <p:style>
+          <a:lnRef idx="1">
+            <a:schemeClr val="accent1"/>
+          </a:lnRef>
+          <a:fillRef idx="0">
+            <a:schemeClr val="accent1"/>
+          </a:fillRef>
+          <a:effectRef idx="0">
+            <a:schemeClr val="accent1"/>
+          </a:effectRef>
+          <a:fontRef idx="minor">
+            <a:schemeClr val="tx1"/>
+          </a:fontRef>
+        </p:style>
+      </p:cxnSp>
+      <p:cxnSp>
+        <p:nvCxnSpPr>
+          <p:cNvPr id="74" name="Прямая соединительная линия 73"/>
+          <p:cNvCxnSpPr>
+            <a:stCxn id="52" idx="2"/>
+          </p:cNvCxnSpPr>
+          <p:nvPr/>
+        </p:nvCxnSpPr>
+        <p:spPr>
+          <a:xfrm rot="16200000" flipH="1">
+            <a:off x="1785918" y="857232"/>
+            <a:ext cx="2500330" cy="3357586"/>
+          </a:xfrm>
+          <a:prstGeom prst="line">
+            <a:avLst/>
+          </a:prstGeom>
+          <a:ln>
+            <a:solidFill>
+              <a:schemeClr val="tx1"/>
+            </a:solidFill>
+          </a:ln>
+        </p:spPr>
+        <p:style>
+          <a:lnRef idx="1">
+            <a:schemeClr val="accent1"/>
+          </a:lnRef>
+          <a:fillRef idx="0">
+            <a:schemeClr val="accent1"/>
+          </a:fillRef>
+          <a:effectRef idx="0">
+            <a:schemeClr val="accent1"/>
+          </a:effectRef>
+          <a:fontRef idx="minor">
+            <a:schemeClr val="tx1"/>
+          </a:fontRef>
+        </p:style>
+      </p:cxnSp>
+      <p:cxnSp>
+        <p:nvCxnSpPr>
+          <p:cNvPr id="77" name="Прямая соединительная линия 76"/>
+          <p:cNvCxnSpPr/>
+          <p:nvPr/>
+        </p:nvCxnSpPr>
+        <p:spPr>
+          <a:xfrm rot="5400000">
+            <a:off x="5143901" y="1428339"/>
+            <a:ext cx="285752" cy="794"/>
+          </a:xfrm>
+          <a:prstGeom prst="line">
+            <a:avLst/>
+          </a:prstGeom>
+          <a:ln>
+            <a:solidFill>
+              <a:schemeClr val="tx1"/>
+            </a:solidFill>
+          </a:ln>
+        </p:spPr>
+        <p:style>
+          <a:lnRef idx="1">
+            <a:schemeClr val="accent1"/>
+          </a:lnRef>
+          <a:fillRef idx="0">
+            <a:schemeClr val="accent1"/>
+          </a:fillRef>
+          <a:effectRef idx="0">
+            <a:schemeClr val="accent1"/>
+          </a:effectRef>
+          <a:fontRef idx="minor">
+            <a:schemeClr val="tx1"/>
+          </a:fontRef>
+        </p:style>
+      </p:cxnSp>
+      <p:cxnSp>
+        <p:nvCxnSpPr>
+          <p:cNvPr id="82" name="Прямая соединительная линия 81"/>
+          <p:cNvCxnSpPr/>
+          <p:nvPr/>
+        </p:nvCxnSpPr>
+        <p:spPr>
+          <a:xfrm>
+            <a:off x="5429256" y="1928802"/>
+            <a:ext cx="357190" cy="285752"/>
+          </a:xfrm>
+          <a:prstGeom prst="line">
+            <a:avLst/>
+          </a:prstGeom>
+          <a:ln>
+            <a:solidFill>
+              <a:schemeClr val="tx1"/>
+            </a:solidFill>
+          </a:ln>
+        </p:spPr>
+        <p:style>
+          <a:lnRef idx="1">
+            <a:schemeClr val="accent1"/>
+          </a:lnRef>
+          <a:fillRef idx="0">
+            <a:schemeClr val="accent1"/>
+          </a:fillRef>
+          <a:effectRef idx="0">
+            <a:schemeClr val="accent1"/>
+          </a:effectRef>
+          <a:fontRef idx="minor">
+            <a:schemeClr val="tx1"/>
+          </a:fontRef>
+        </p:style>
+      </p:cxnSp>
+      <p:sp>
+        <p:nvSpPr>
+          <p:cNvPr id="86" name="Прямоугольник 85"/>
+          <p:cNvSpPr/>
+          <p:nvPr/>
+        </p:nvSpPr>
+        <p:spPr>
+          <a:xfrm>
+            <a:off x="4071934" y="1571612"/>
+            <a:ext cx="2662973" cy="369332"/>
+          </a:xfrm>
+          <a:prstGeom prst="rect">
+            <a:avLst/>
+          </a:prstGeom>
+        </p:spPr>
+        <p:txBody>
+          <a:bodyPr wrap="none">
+            <a:spAutoFit/>
+          </a:bodyPr>
+          <a:lstStyle/>
+          <a:p>
+            <a:r>
+              <a:rPr lang="en-US" dirty="0" smtClean="0"/>
+              <a:t>class Minesweeper(Board)</a:t>
+            </a:r>
+            <a:endParaRPr lang="ru-RU" dirty="0"/>
+          </a:p>
+        </p:txBody>
+      </p:sp>
+      <p:sp>
+        <p:nvSpPr>
+          <p:cNvPr id="87" name="Прямоугольник 86"/>
+          <p:cNvSpPr/>
+          <p:nvPr/>
+        </p:nvSpPr>
+        <p:spPr>
+          <a:xfrm>
+            <a:off x="4071934" y="2143116"/>
+            <a:ext cx="1234697" cy="369332"/>
+          </a:xfrm>
+          <a:prstGeom prst="rect">
+            <a:avLst/>
+          </a:prstGeom>
+        </p:spPr>
+        <p:txBody>
+          <a:bodyPr wrap="none">
+            <a:spAutoFit/>
+          </a:bodyPr>
+          <a:lstStyle/>
+          <a:p>
+            <a:r>
+              <a:rPr lang="en-US" dirty="0" smtClean="0"/>
+              <a:t>class Board</a:t>
+            </a:r>
+            <a:endParaRPr lang="ru-RU" dirty="0"/>
+          </a:p>
+        </p:txBody>
+      </p:sp>
+      <p:sp>
+        <p:nvSpPr>
+          <p:cNvPr id="88" name="Прямоугольник 87"/>
+          <p:cNvSpPr/>
+          <p:nvPr/>
+        </p:nvSpPr>
+        <p:spPr>
+          <a:xfrm>
+            <a:off x="5572132" y="2214554"/>
+            <a:ext cx="928694" cy="285752"/>
+          </a:xfrm>
+          <a:prstGeom prst="rect">
+            <a:avLst/>
+          </a:prstGeom>
+          <a:noFill/>
+          <a:ln w="3175">
+            <a:solidFill>
+              <a:schemeClr val="tx1"/>
+            </a:solidFill>
+          </a:ln>
+        </p:spPr>
+        <p:style>
+          <a:lnRef idx="2">
+            <a:schemeClr val="accent1">
+              <a:shade val="50000"/>
+            </a:schemeClr>
+          </a:lnRef>
+          <a:fillRef idx="1">
+            <a:schemeClr val="accent1"/>
+          </a:fillRef>
+          <a:effectRef idx="0">
+            <a:schemeClr val="accent1"/>
+          </a:effectRef>
+          <a:fontRef idx="minor">
+            <a:schemeClr val="lt1"/>
+          </a:fontRef>
+        </p:style>
+        <p:txBody>
+          <a:bodyPr rtlCol="0" anchor="ctr"/>
+          <a:lstStyle/>
+          <a:p>
+            <a:pPr algn="ctr"/>
+            <a:endParaRPr lang="ru-RU"/>
+          </a:p>
+        </p:txBody>
+      </p:sp>
+      <p:sp>
+        <p:nvSpPr>
+          <p:cNvPr id="89" name="Прямоугольник 88"/>
+          <p:cNvSpPr/>
+          <p:nvPr/>
+        </p:nvSpPr>
+        <p:spPr>
+          <a:xfrm>
+            <a:off x="4143372" y="2214554"/>
+            <a:ext cx="1143008" cy="285752"/>
+          </a:xfrm>
+          <a:prstGeom prst="rect">
+            <a:avLst/>
+          </a:prstGeom>
+          <a:noFill/>
+          <a:ln w="3175">
+            <a:solidFill>
+              <a:schemeClr val="tx1"/>
+            </a:solidFill>
+          </a:ln>
+        </p:spPr>
+        <p:style>
+          <a:lnRef idx="2">
+            <a:schemeClr val="accent1">
+              <a:shade val="50000"/>
+            </a:schemeClr>
+          </a:lnRef>
+          <a:fillRef idx="1">
+            <a:schemeClr val="accent1"/>
+          </a:fillRef>
+          <a:effectRef idx="0">
+            <a:schemeClr val="accent1"/>
+          </a:effectRef>
+          <a:fontRef idx="minor">
+            <a:schemeClr val="lt1"/>
+          </a:fontRef>
+        </p:style>
+        <p:txBody>
+          <a:bodyPr rtlCol="0" anchor="ctr"/>
+          <a:lstStyle/>
+          <a:p>
+            <a:pPr algn="ctr"/>
+            <a:endParaRPr lang="ru-RU"/>
+          </a:p>
+        </p:txBody>
+      </p:sp>
+      <p:sp>
+        <p:nvSpPr>
+          <p:cNvPr id="91" name="Прямоугольник 90"/>
+          <p:cNvSpPr/>
+          <p:nvPr/>
+        </p:nvSpPr>
+        <p:spPr>
+          <a:xfrm>
+            <a:off x="5500694" y="2143116"/>
+            <a:ext cx="1056700" cy="369332"/>
+          </a:xfrm>
+          <a:prstGeom prst="rect">
+            <a:avLst/>
+          </a:prstGeom>
+        </p:spPr>
+        <p:txBody>
+          <a:bodyPr wrap="none">
+            <a:spAutoFit/>
+          </a:bodyPr>
+          <a:lstStyle/>
+          <a:p>
+            <a:r>
+              <a:rPr lang="en-US" dirty="0" smtClean="0"/>
+              <a:t>class Flag</a:t>
+            </a:r>
+          </a:p>
+        </p:txBody>
+      </p:sp>
+      <p:cxnSp>
+        <p:nvCxnSpPr>
+          <p:cNvPr id="109" name="Прямая соединительная линия 108"/>
+          <p:cNvCxnSpPr/>
+          <p:nvPr/>
+        </p:nvCxnSpPr>
+        <p:spPr>
+          <a:xfrm rot="10800000">
+            <a:off x="3714744" y="3786190"/>
+            <a:ext cx="2286016" cy="1588"/>
+          </a:xfrm>
+          <a:prstGeom prst="line">
+            <a:avLst/>
+          </a:prstGeom>
+          <a:ln>
+            <a:solidFill>
+              <a:schemeClr val="tx1"/>
+            </a:solidFill>
+          </a:ln>
+        </p:spPr>
+        <p:style>
+          <a:lnRef idx="1">
+            <a:schemeClr val="accent1"/>
+          </a:lnRef>
+          <a:fillRef idx="0">
+            <a:schemeClr val="accent1"/>
+          </a:fillRef>
+          <a:effectRef idx="0">
+            <a:schemeClr val="accent1"/>
+          </a:effectRef>
+          <a:fontRef idx="minor">
+            <a:schemeClr val="tx1"/>
+          </a:fontRef>
+        </p:style>
+      </p:cxnSp>
+      <p:cxnSp>
+        <p:nvCxnSpPr>
+          <p:cNvPr id="136" name="Прямая соединительная линия 135"/>
+          <p:cNvCxnSpPr>
+            <a:stCxn id="60" idx="0"/>
+            <a:endCxn id="52" idx="2"/>
+          </p:cNvCxnSpPr>
+          <p:nvPr/>
+        </p:nvCxnSpPr>
+        <p:spPr>
+          <a:xfrm rot="5400000" flipH="1" flipV="1">
+            <a:off x="625042" y="1910935"/>
+            <a:ext cx="1357322" cy="107173"/>
+          </a:xfrm>
+          <a:prstGeom prst="line">
+            <a:avLst/>
+          </a:prstGeom>
+          <a:ln>
+            <a:solidFill>
+              <a:schemeClr val="tx1"/>
+            </a:solidFill>
+          </a:ln>
+        </p:spPr>
+        <p:style>
+          <a:lnRef idx="1">
+            <a:schemeClr val="accent1"/>
+          </a:lnRef>
+          <a:fillRef idx="0">
+            <a:schemeClr val="accent1"/>
+          </a:fillRef>
+          <a:effectRef idx="0">
+            <a:schemeClr val="accent1"/>
+          </a:effectRef>
+          <a:fontRef idx="minor">
+            <a:schemeClr val="tx1"/>
+          </a:fontRef>
+        </p:style>
+      </p:cxnSp>
+      <p:cxnSp>
+        <p:nvCxnSpPr>
+          <p:cNvPr id="139" name="Прямая соединительная линия 138"/>
+          <p:cNvCxnSpPr>
+            <a:stCxn id="57" idx="0"/>
+            <a:endCxn id="58" idx="2"/>
+          </p:cNvCxnSpPr>
+          <p:nvPr/>
+        </p:nvCxnSpPr>
+        <p:spPr>
+          <a:xfrm rot="5400000" flipH="1" flipV="1">
+            <a:off x="6215074" y="4143380"/>
+            <a:ext cx="571504" cy="142876"/>
+          </a:xfrm>
+          <a:prstGeom prst="line">
+            <a:avLst/>
+          </a:prstGeom>
+          <a:ln>
+            <a:solidFill>
+              <a:schemeClr val="tx1"/>
+            </a:solidFill>
+          </a:ln>
+        </p:spPr>
+        <p:style>
+          <a:lnRef idx="1">
+            <a:schemeClr val="accent1"/>
+          </a:lnRef>
+          <a:fillRef idx="0">
+            <a:schemeClr val="accent1"/>
+          </a:fillRef>
+          <a:effectRef idx="0">
+            <a:schemeClr val="accent1"/>
+          </a:effectRef>
+          <a:fontRef idx="minor">
+            <a:schemeClr val="tx1"/>
+          </a:fontRef>
+        </p:style>
+      </p:cxnSp>
+      <p:sp>
+        <p:nvSpPr>
+          <p:cNvPr id="42" name="Прямоугольник 41"/>
+          <p:cNvSpPr/>
+          <p:nvPr/>
+        </p:nvSpPr>
+        <p:spPr>
+          <a:xfrm>
+            <a:off x="4500562" y="2643182"/>
+            <a:ext cx="1598194" cy="369332"/>
+          </a:xfrm>
+          <a:prstGeom prst="rect">
+            <a:avLst/>
+          </a:prstGeom>
+        </p:spPr>
+        <p:txBody>
+          <a:bodyPr wrap="none">
+            <a:spAutoFit/>
+          </a:bodyPr>
+          <a:lstStyle/>
+          <a:p>
+            <a:r>
+              <a:rPr lang="en-US" dirty="0" smtClean="0"/>
+              <a:t>class </a:t>
+            </a:r>
+            <a:r>
+              <a:rPr lang="en-US" dirty="0" err="1" smtClean="0"/>
+              <a:t>ImageCell</a:t>
+            </a:r>
+            <a:endParaRPr lang="ru-RU" dirty="0"/>
+          </a:p>
+        </p:txBody>
+      </p:sp>
+      <p:sp>
+        <p:nvSpPr>
+          <p:cNvPr id="44" name="Прямоугольник 43"/>
+          <p:cNvSpPr/>
+          <p:nvPr/>
+        </p:nvSpPr>
+        <p:spPr>
+          <a:xfrm>
+            <a:off x="4500562" y="2643182"/>
+            <a:ext cx="1500198" cy="357190"/>
+          </a:xfrm>
+          <a:prstGeom prst="rect">
+            <a:avLst/>
+          </a:prstGeom>
+          <a:noFill/>
+          <a:ln w="3175">
+            <a:solidFill>
+              <a:schemeClr val="tx1"/>
+            </a:solidFill>
+          </a:ln>
+        </p:spPr>
+        <p:style>
+          <a:lnRef idx="2">
+            <a:schemeClr val="accent1">
+              <a:shade val="50000"/>
+            </a:schemeClr>
+          </a:lnRef>
+          <a:fillRef idx="1">
+            <a:schemeClr val="accent1"/>
+          </a:fillRef>
+          <a:effectRef idx="0">
+            <a:schemeClr val="accent1"/>
+          </a:effectRef>
+          <a:fontRef idx="minor">
+            <a:schemeClr val="lt1"/>
+          </a:fontRef>
+        </p:style>
+        <p:txBody>
+          <a:bodyPr rtlCol="0" anchor="ctr"/>
+          <a:lstStyle/>
+          <a:p>
+            <a:pPr algn="ctr"/>
+            <a:endParaRPr lang="ru-RU"/>
+          </a:p>
+        </p:txBody>
+      </p:sp>
+      <p:cxnSp>
+        <p:nvCxnSpPr>
+          <p:cNvPr id="45" name="Прямая соединительная линия 44"/>
+          <p:cNvCxnSpPr>
+            <a:stCxn id="86" idx="2"/>
+          </p:cNvCxnSpPr>
+          <p:nvPr/>
+        </p:nvCxnSpPr>
+        <p:spPr>
+          <a:xfrm rot="16200000" flipH="1">
+            <a:off x="5065219" y="2279145"/>
+            <a:ext cx="702238" cy="25835"/>
+          </a:xfrm>
+          <a:prstGeom prst="line">
+            <a:avLst/>
+          </a:prstGeom>
+          <a:ln>
+            <a:solidFill>
+              <a:schemeClr val="tx1"/>
+            </a:solidFill>
+          </a:ln>
+        </p:spPr>
+        <p:style>
+          <a:lnRef idx="1">
+            <a:schemeClr val="accent1"/>
+          </a:lnRef>
+          <a:fillRef idx="0">
+            <a:schemeClr val="accent1"/>
+          </a:fillRef>
+          <a:effectRef idx="0">
+            <a:schemeClr val="accent1"/>
+          </a:effectRef>
+          <a:fontRef idx="minor">
+            <a:schemeClr val="tx1"/>
+          </a:fontRef>
+        </p:style>
+      </p:cxnSp>
+    </p:spTree>
+  </p:cSld>
+  <p:clrMapOvr>
+    <a:masterClrMapping/>
+  </p:clrMapOvr>
+</p:sld>
+</file>
+
+<file path=ppt/slides/slide7.xml><?xml version="1.0" encoding="utf-8"?>
+<p:sld xmlns:a="http://schemas.openxmlformats.org/drawingml/2006/main" xmlns:r="http://schemas.openxmlformats.org/officeDocument/2006/relationships" xmlns:p="http://schemas.openxmlformats.org/presentationml/2006/main">
+  <p:cSld>
+    <p:spTree>
+      <p:nvGrpSpPr>
+        <p:cNvPr id="1" name=""/>
+        <p:cNvGrpSpPr/>
+        <p:nvPr/>
+      </p:nvGrpSpPr>
+      <p:grpSpPr>
+        <a:xfrm>
+          <a:off x="0" y="0"/>
+          <a:ext cx="0" cy="0"/>
+          <a:chOff x="0" y="0"/>
+          <a:chExt cx="0" cy="0"/>
+        </a:xfrm>
+      </p:grpSpPr>
+      <p:sp>
+        <p:nvSpPr>
+          <p:cNvPr id="2" name="Заголовок 1"/>
+          <p:cNvSpPr>
+            <a:spLocks noGrp="1"/>
+          </p:cNvSpPr>
+          <p:nvPr>
+            <p:ph type="title"/>
+          </p:nvPr>
+        </p:nvSpPr>
+        <p:spPr/>
+        <p:txBody>
+          <a:bodyPr/>
+          <a:lstStyle/>
+          <a:p>
+            <a:r>
+              <a:rPr lang="ru-RU" dirty="0" smtClean="0"/>
+              <a:t>Заключение</a:t>
             </a:r>
             <a:endParaRPr lang="ru-RU" dirty="0"/>
           </a:p>
@@ -3429,7 +7397,25 @@
           <a:bodyPr/>
           <a:lstStyle/>
           <a:p>
-            <a:endParaRPr lang="ru-RU" dirty="0"/>
+            <a:pPr>
+              <a:buNone/>
+            </a:pPr>
+            <a:r>
+              <a:rPr lang="ru-RU" dirty="0" smtClean="0"/>
+              <a:t>Доработать:</a:t>
+            </a:r>
+          </a:p>
+          <a:p>
+            <a:r>
+              <a:rPr lang="ru-RU" dirty="0" smtClean="0"/>
+              <a:t>Вставить таймер;</a:t>
+            </a:r>
+          </a:p>
+          <a:p>
+            <a:r>
+              <a:rPr lang="ru-RU" dirty="0" smtClean="0"/>
+              <a:t>Продумать секретные уровни.</a:t>
+            </a:r>
           </a:p>
         </p:txBody>
       </p:sp>
@@ -3438,6 +7424,13 @@
   <p:clrMapOvr>
     <a:masterClrMapping/>
   </p:clrMapOvr>
+  <p:timing>
+    <p:tnLst>
+      <p:par>
+        <p:cTn id="1" dur="indefinite" restart="never" nodeType="tmRoot"/>
+      </p:par>
+    </p:tnLst>
+  </p:timing>
 </p:sld>
 </file>
 
@@ -4005,4 +7998,287 @@
   <a:objectDefaults/>
   <a:extraClrSchemeLst/>
 </a:theme>
+</file>
+
+<file path=ppt/theme/theme3.xml><?xml version="1.0" encoding="utf-8"?>
+<a:theme xmlns:a="http://schemas.openxmlformats.org/drawingml/2006/main" name="Тема Office">
+  <a:themeElements>
+    <a:clrScheme name="Стандартная">
+      <a:dk1>
+        <a:sysClr val="windowText" lastClr="000000"/>
+      </a:dk1>
+      <a:lt1>
+        <a:sysClr val="window" lastClr="FFFFFF"/>
+      </a:lt1>
+      <a:dk2>
+        <a:srgbClr val="1F497D"/>
+      </a:dk2>
+      <a:lt2>
+        <a:srgbClr val="EEECE1"/>
+      </a:lt2>
+      <a:accent1>
+        <a:srgbClr val="4F81BD"/>
+      </a:accent1>
+      <a:accent2>
+        <a:srgbClr val="C0504D"/>
+      </a:accent2>
+      <a:accent3>
+        <a:srgbClr val="9BBB59"/>
+      </a:accent3>
+      <a:accent4>
+        <a:srgbClr val="8064A2"/>
+      </a:accent4>
+      <a:accent5>
+        <a:srgbClr val="4BACC6"/>
+      </a:accent5>
+      <a:accent6>
+        <a:srgbClr val="F79646"/>
+      </a:accent6>
+      <a:hlink>
+        <a:srgbClr val="0000FF"/>
+      </a:hlink>
+      <a:folHlink>
+        <a:srgbClr val="800080"/>
+      </a:folHlink>
+    </a:clrScheme>
+    <a:fontScheme name="Стандартная">
+      <a:majorFont>
+        <a:latin typeface="Calibri"/>
+        <a:ea typeface=""/>
+        <a:cs typeface=""/>
+        <a:font script="Jpan" typeface="ＭＳ Ｐゴシック"/>
+        <a:font script="Hang" typeface="맑은 고딕"/>
+        <a:font script="Hans" typeface="宋体"/>
+        <a:font script="Hant" typeface="新細明體"/>
+        <a:font script="Arab" typeface="Times New Roman"/>
+        <a:font script="Hebr" typeface="Times New Roman"/>
+        <a:font script="Thai" typeface="Angsana New"/>
+        <a:font script="Ethi" typeface="Nyala"/>
+        <a:font script="Beng" typeface="Vrinda"/>
+        <a:font script="Gujr" typeface="Shruti"/>
+        <a:font script="Khmr" typeface="MoolBoran"/>
+        <a:font script="Knda" typeface="Tunga"/>
+        <a:font script="Guru" typeface="Raavi"/>
+        <a:font script="Cans" typeface="Euphemia"/>
+        <a:font script="Cher" typeface="Plantagenet Cherokee"/>
+        <a:font script="Yiii" typeface="Microsoft Yi Baiti"/>
+        <a:font script="Tibt" typeface="Microsoft Himalaya"/>
+        <a:font script="Thaa" typeface="MV Boli"/>
+        <a:font script="Deva" typeface="Mangal"/>
+        <a:font script="Telu" typeface="Gautami"/>
+        <a:font script="Taml" typeface="Latha"/>
+        <a:font script="Syrc" typeface="Estrangelo Edessa"/>
+        <a:font script="Orya" typeface="Kalinga"/>
+        <a:font script="Mlym" typeface="Kartika"/>
+        <a:font script="Laoo" typeface="DokChampa"/>
+        <a:font script="Sinh" typeface="Iskoola Pota"/>
+        <a:font script="Mong" typeface="Mongolian Baiti"/>
+        <a:font script="Viet" typeface="Times New Roman"/>
+        <a:font script="Uigh" typeface="Microsoft Uighur"/>
+      </a:majorFont>
+      <a:minorFont>
+        <a:latin typeface="Calibri"/>
+        <a:ea typeface=""/>
+        <a:cs typeface=""/>
+        <a:font script="Jpan" typeface="ＭＳ Ｐゴシック"/>
+        <a:font script="Hang" typeface="맑은 고딕"/>
+        <a:font script="Hans" typeface="宋体"/>
+        <a:font script="Hant" typeface="新細明體"/>
+        <a:font script="Arab" typeface="Arial"/>
+        <a:font script="Hebr" typeface="Arial"/>
+        <a:font script="Thai" typeface="Cordia New"/>
+        <a:font script="Ethi" typeface="Nyala"/>
+        <a:font script="Beng" typeface="Vrinda"/>
+        <a:font script="Gujr" typeface="Shruti"/>
+        <a:font script="Khmr" typeface="DaunPenh"/>
+        <a:font script="Knda" typeface="Tunga"/>
+        <a:font script="Guru" typeface="Raavi"/>
+        <a:font script="Cans" typeface="Euphemia"/>
+        <a:font script="Cher" typeface="Plantagenet Cherokee"/>
+        <a:font script="Yiii" typeface="Microsoft Yi Baiti"/>
+        <a:font script="Tibt" typeface="Microsoft Himalaya"/>
+        <a:font script="Thaa" typeface="MV Boli"/>
+        <a:font script="Deva" typeface="Mangal"/>
+        <a:font script="Telu" typeface="Gautami"/>
+        <a:font script="Taml" typeface="Latha"/>
+        <a:font script="Syrc" typeface="Estrangelo Edessa"/>
+        <a:font script="Orya" typeface="Kalinga"/>
+        <a:font script="Mlym" typeface="Kartika"/>
+        <a:font script="Laoo" typeface="DokChampa"/>
+        <a:font script="Sinh" typeface="Iskoola Pota"/>
+        <a:font script="Mong" typeface="Mongolian Baiti"/>
+        <a:font script="Viet" typeface="Arial"/>
+        <a:font script="Uigh" typeface="Microsoft Uighur"/>
+      </a:minorFont>
+    </a:fontScheme>
+    <a:fmtScheme name="Стандартная">
+      <a:fillStyleLst>
+        <a:solidFill>
+          <a:schemeClr val="phClr"/>
+        </a:solidFill>
+        <a:gradFill rotWithShape="1">
+          <a:gsLst>
+            <a:gs pos="0">
+              <a:schemeClr val="phClr">
+                <a:tint val="50000"/>
+                <a:satMod val="300000"/>
+              </a:schemeClr>
+            </a:gs>
+            <a:gs pos="35000">
+              <a:schemeClr val="phClr">
+                <a:tint val="37000"/>
+                <a:satMod val="300000"/>
+              </a:schemeClr>
+            </a:gs>
+            <a:gs pos="100000">
+              <a:schemeClr val="phClr">
+                <a:tint val="15000"/>
+                <a:satMod val="350000"/>
+              </a:schemeClr>
+            </a:gs>
+          </a:gsLst>
+          <a:lin ang="16200000" scaled="1"/>
+        </a:gradFill>
+        <a:gradFill rotWithShape="1">
+          <a:gsLst>
+            <a:gs pos="0">
+              <a:schemeClr val="phClr">
+                <a:shade val="51000"/>
+                <a:satMod val="130000"/>
+              </a:schemeClr>
+            </a:gs>
+            <a:gs pos="80000">
+              <a:schemeClr val="phClr">
+                <a:shade val="93000"/>
+                <a:satMod val="130000"/>
+              </a:schemeClr>
+            </a:gs>
+            <a:gs pos="100000">
+              <a:schemeClr val="phClr">
+                <a:shade val="94000"/>
+                <a:satMod val="135000"/>
+              </a:schemeClr>
+            </a:gs>
+          </a:gsLst>
+          <a:lin ang="16200000" scaled="0"/>
+        </a:gradFill>
+      </a:fillStyleLst>
+      <a:lnStyleLst>
+        <a:ln w="9525" cap="flat" cmpd="sng" algn="ctr">
+          <a:solidFill>
+            <a:schemeClr val="phClr">
+              <a:shade val="95000"/>
+              <a:satMod val="105000"/>
+            </a:schemeClr>
+          </a:solidFill>
+          <a:prstDash val="solid"/>
+        </a:ln>
+        <a:ln w="25400" cap="flat" cmpd="sng" algn="ctr">
+          <a:solidFill>
+            <a:schemeClr val="phClr"/>
+          </a:solidFill>
+          <a:prstDash val="solid"/>
+        </a:ln>
+        <a:ln w="38100" cap="flat" cmpd="sng" algn="ctr">
+          <a:solidFill>
+            <a:schemeClr val="phClr"/>
+          </a:solidFill>
+          <a:prstDash val="solid"/>
+        </a:ln>
+      </a:lnStyleLst>
+      <a:effectStyleLst>
+        <a:effectStyle>
+          <a:effectLst>
+            <a:outerShdw blurRad="40000" dist="20000" dir="5400000" rotWithShape="0">
+              <a:srgbClr val="000000">
+                <a:alpha val="38000"/>
+              </a:srgbClr>
+            </a:outerShdw>
+          </a:effectLst>
+        </a:effectStyle>
+        <a:effectStyle>
+          <a:effectLst>
+            <a:outerShdw blurRad="40000" dist="23000" dir="5400000" rotWithShape="0">
+              <a:srgbClr val="000000">
+                <a:alpha val="35000"/>
+              </a:srgbClr>
+            </a:outerShdw>
+          </a:effectLst>
+        </a:effectStyle>
+        <a:effectStyle>
+          <a:effectLst>
+            <a:outerShdw blurRad="40000" dist="23000" dir="5400000" rotWithShape="0">
+              <a:srgbClr val="000000">
+                <a:alpha val="35000"/>
+              </a:srgbClr>
+            </a:outerShdw>
+          </a:effectLst>
+          <a:scene3d>
+            <a:camera prst="orthographicFront">
+              <a:rot lat="0" lon="0" rev="0"/>
+            </a:camera>
+            <a:lightRig rig="threePt" dir="t">
+              <a:rot lat="0" lon="0" rev="1200000"/>
+            </a:lightRig>
+          </a:scene3d>
+          <a:sp3d>
+            <a:bevelT w="63500" h="25400"/>
+          </a:sp3d>
+        </a:effectStyle>
+      </a:effectStyleLst>
+      <a:bgFillStyleLst>
+        <a:solidFill>
+          <a:schemeClr val="phClr"/>
+        </a:solidFill>
+        <a:gradFill rotWithShape="1">
+          <a:gsLst>
+            <a:gs pos="0">
+              <a:schemeClr val="phClr">
+                <a:tint val="40000"/>
+                <a:satMod val="350000"/>
+              </a:schemeClr>
+            </a:gs>
+            <a:gs pos="40000">
+              <a:schemeClr val="phClr">
+                <a:tint val="45000"/>
+                <a:shade val="99000"/>
+                <a:satMod val="350000"/>
+              </a:schemeClr>
+            </a:gs>
+            <a:gs pos="100000">
+              <a:schemeClr val="phClr">
+                <a:shade val="20000"/>
+                <a:satMod val="255000"/>
+              </a:schemeClr>
+            </a:gs>
+          </a:gsLst>
+          <a:path path="circle">
+            <a:fillToRect l="50000" t="-80000" r="50000" b="180000"/>
+          </a:path>
+        </a:gradFill>
+        <a:gradFill rotWithShape="1">
+          <a:gsLst>
+            <a:gs pos="0">
+              <a:schemeClr val="phClr">
+                <a:tint val="80000"/>
+                <a:satMod val="300000"/>
+              </a:schemeClr>
+            </a:gs>
+            <a:gs pos="100000">
+              <a:schemeClr val="phClr">
+                <a:shade val="30000"/>
+                <a:satMod val="200000"/>
+              </a:schemeClr>
+            </a:gs>
+          </a:gsLst>
+          <a:path path="circle">
+            <a:fillToRect l="50000" t="50000" r="50000" b="50000"/>
+          </a:path>
+        </a:gradFill>
+      </a:bgFillStyleLst>
+    </a:fmtScheme>
+  </a:themeElements>
+  <a:objectDefaults/>
+  <a:extraClrSchemeLst/>
+</a:theme>
 </file>